--- a/Week 11 EDA presentation.pptx
+++ b/Week 11 EDA presentation.pptx
@@ -8,21 +8,22 @@
     <p:sldId id="256" r:id="rId2"/>
     <p:sldId id="267" r:id="rId3"/>
     <p:sldId id="270" r:id="rId4"/>
-    <p:sldId id="271" r:id="rId5"/>
-    <p:sldId id="268" r:id="rId6"/>
-    <p:sldId id="274" r:id="rId7"/>
-    <p:sldId id="275" r:id="rId8"/>
-    <p:sldId id="276" r:id="rId9"/>
-    <p:sldId id="277" r:id="rId10"/>
-    <p:sldId id="278" r:id="rId11"/>
-    <p:sldId id="279" r:id="rId12"/>
-    <p:sldId id="280" r:id="rId13"/>
-    <p:sldId id="281" r:id="rId14"/>
-    <p:sldId id="282" r:id="rId15"/>
-    <p:sldId id="283" r:id="rId16"/>
-    <p:sldId id="284" r:id="rId17"/>
-    <p:sldId id="285" r:id="rId18"/>
-    <p:sldId id="273" r:id="rId19"/>
+    <p:sldId id="286" r:id="rId5"/>
+    <p:sldId id="271" r:id="rId6"/>
+    <p:sldId id="268" r:id="rId7"/>
+    <p:sldId id="274" r:id="rId8"/>
+    <p:sldId id="275" r:id="rId9"/>
+    <p:sldId id="276" r:id="rId10"/>
+    <p:sldId id="277" r:id="rId11"/>
+    <p:sldId id="278" r:id="rId12"/>
+    <p:sldId id="279" r:id="rId13"/>
+    <p:sldId id="280" r:id="rId14"/>
+    <p:sldId id="281" r:id="rId15"/>
+    <p:sldId id="282" r:id="rId16"/>
+    <p:sldId id="283" r:id="rId17"/>
+    <p:sldId id="284" r:id="rId18"/>
+    <p:sldId id="285" r:id="rId19"/>
+    <p:sldId id="273" r:id="rId20"/>
   </p:sldIdLst>
   <p:sldSz cx="12192000" cy="6858000"/>
   <p:notesSz cx="6858000" cy="9144000"/>
@@ -266,7 +267,7 @@
           <a:p>
             <a:fld id="{C764DE79-268F-4C1A-8933-263129D2AF90}" type="datetimeFigureOut">
               <a:rPr lang="en-US" dirty="0"/>
-              <a:t>9/26/2022</a:t>
+              <a:t>9/27/2022</a:t>
             </a:fld>
             <a:endParaRPr lang="en-US"/>
           </a:p>
@@ -434,7 +435,7 @@
           <a:p>
             <a:fld id="{C764DE79-268F-4C1A-8933-263129D2AF90}" type="datetimeFigureOut">
               <a:rPr lang="en-US" dirty="0"/>
-              <a:t>9/26/2022</a:t>
+              <a:t>9/27/2022</a:t>
             </a:fld>
             <a:endParaRPr lang="en-US"/>
           </a:p>
@@ -612,7 +613,7 @@
           <a:p>
             <a:fld id="{C764DE79-268F-4C1A-8933-263129D2AF90}" type="datetimeFigureOut">
               <a:rPr lang="en-US" dirty="0"/>
-              <a:t>9/26/2022</a:t>
+              <a:t>9/27/2022</a:t>
             </a:fld>
             <a:endParaRPr lang="en-US"/>
           </a:p>
@@ -780,7 +781,7 @@
           <a:p>
             <a:fld id="{C764DE79-268F-4C1A-8933-263129D2AF90}" type="datetimeFigureOut">
               <a:rPr lang="en-US" dirty="0"/>
-              <a:t>9/26/2022</a:t>
+              <a:t>9/27/2022</a:t>
             </a:fld>
             <a:endParaRPr lang="en-US"/>
           </a:p>
@@ -1025,7 +1026,7 @@
           <a:p>
             <a:fld id="{C764DE79-268F-4C1A-8933-263129D2AF90}" type="datetimeFigureOut">
               <a:rPr lang="en-US" dirty="0"/>
-              <a:t>9/26/2022</a:t>
+              <a:t>9/27/2022</a:t>
             </a:fld>
             <a:endParaRPr lang="en-US"/>
           </a:p>
@@ -1254,7 +1255,7 @@
           <a:p>
             <a:fld id="{C764DE79-268F-4C1A-8933-263129D2AF90}" type="datetimeFigureOut">
               <a:rPr lang="en-US" dirty="0"/>
-              <a:t>9/26/2022</a:t>
+              <a:t>9/27/2022</a:t>
             </a:fld>
             <a:endParaRPr lang="en-US"/>
           </a:p>
@@ -1618,7 +1619,7 @@
           <a:p>
             <a:fld id="{C764DE79-268F-4C1A-8933-263129D2AF90}" type="datetimeFigureOut">
               <a:rPr lang="en-US" dirty="0"/>
-              <a:t>9/26/2022</a:t>
+              <a:t>9/27/2022</a:t>
             </a:fld>
             <a:endParaRPr lang="en-US"/>
           </a:p>
@@ -1735,7 +1736,7 @@
           <a:p>
             <a:fld id="{C764DE79-268F-4C1A-8933-263129D2AF90}" type="datetimeFigureOut">
               <a:rPr lang="en-US" dirty="0"/>
-              <a:t>9/26/2022</a:t>
+              <a:t>9/27/2022</a:t>
             </a:fld>
             <a:endParaRPr lang="en-US"/>
           </a:p>
@@ -1830,7 +1831,7 @@
           <a:p>
             <a:fld id="{C764DE79-268F-4C1A-8933-263129D2AF90}" type="datetimeFigureOut">
               <a:rPr lang="en-US" dirty="0"/>
-              <a:t>9/26/2022</a:t>
+              <a:t>9/27/2022</a:t>
             </a:fld>
             <a:endParaRPr lang="en-US"/>
           </a:p>
@@ -2105,7 +2106,7 @@
           <a:p>
             <a:fld id="{C764DE79-268F-4C1A-8933-263129D2AF90}" type="datetimeFigureOut">
               <a:rPr lang="en-US" dirty="0"/>
-              <a:t>9/26/2022</a:t>
+              <a:t>9/27/2022</a:t>
             </a:fld>
             <a:endParaRPr lang="en-US"/>
           </a:p>
@@ -2360,7 +2361,7 @@
           <a:p>
             <a:fld id="{C764DE79-268F-4C1A-8933-263129D2AF90}" type="datetimeFigureOut">
               <a:rPr lang="en-US" dirty="0"/>
-              <a:t>9/26/2022</a:t>
+              <a:t>9/27/2022</a:t>
             </a:fld>
             <a:endParaRPr lang="en-US"/>
           </a:p>
@@ -2571,7 +2572,7 @@
           <a:p>
             <a:fld id="{C764DE79-268F-4C1A-8933-263129D2AF90}" type="datetimeFigureOut">
               <a:rPr lang="en-US" dirty="0"/>
-              <a:t>9/26/2022</a:t>
+              <a:t>9/27/2022</a:t>
             </a:fld>
             <a:endParaRPr lang="en-US"/>
           </a:p>
@@ -3223,52 +3224,17 @@
                   <a:srgbClr val="FF6600"/>
                 </a:solidFill>
               </a:rPr>
-              <a:t>Risks vs. Ethnicity</a:t>
-            </a:r>
-          </a:p>
-        </p:txBody>
-      </p:sp>
-      <p:sp>
-        <p:nvSpPr>
-          <p:cNvPr id="7" name="TextBox 6">
-            <a:extLst>
-              <a:ext uri="{FF2B5EF4-FFF2-40B4-BE49-F238E27FC236}">
-                <a16:creationId xmlns:a16="http://schemas.microsoft.com/office/drawing/2014/main" id="{837BBD17-5173-0E64-BB1C-37505FA31704}"/>
-              </a:ext>
-            </a:extLst>
-          </p:cNvPr>
-          <p:cNvSpPr txBox="1"/>
-          <p:nvPr/>
-        </p:nvSpPr>
-        <p:spPr>
-          <a:xfrm>
-            <a:off x="349623" y="5096674"/>
-            <a:ext cx="11286565" cy="923330"/>
-          </a:xfrm>
-          <a:prstGeom prst="rect">
-            <a:avLst/>
-          </a:prstGeom>
-          <a:noFill/>
-        </p:spPr>
-        <p:txBody>
-          <a:bodyPr wrap="square" rtlCol="0">
-            <a:spAutoFit/>
-          </a:bodyPr>
-          <a:lstStyle/>
-          <a:p>
-            <a:r>
-              <a:rPr lang="en-US" dirty="0"/>
-              <a:t>Overall, on average the Hispanic community faces a greater number of risks and a greater chance of not being persistent to a drug. In the graph above, the Hispanic group who does not experience persistency is the greatest column, indicating that the Hispanic community may find it difficult to increase their persistency with drugs. </a:t>
+              <a:t>Risks vs. Persistency Flag</a:t>
             </a:r>
           </a:p>
         </p:txBody>
       </p:sp>
       <p:pic>
         <p:nvPicPr>
-          <p:cNvPr id="5122" name="Picture 2">
+          <p:cNvPr id="4100" name="Picture 4">
             <a:extLst>
               <a:ext uri="{FF2B5EF4-FFF2-40B4-BE49-F238E27FC236}">
-                <a16:creationId xmlns:a16="http://schemas.microsoft.com/office/drawing/2014/main" id="{4E37858C-22F0-4520-1F21-76A9C5DB68FD}"/>
+                <a16:creationId xmlns:a16="http://schemas.microsoft.com/office/drawing/2014/main" id="{6D5A7F69-BAC4-122E-4D98-7B2ECC41FA88}"/>
               </a:ext>
             </a:extLst>
           </p:cNvPr>
@@ -3292,8 +3258,8 @@
         </p:blipFill>
         <p:spPr bwMode="auto">
           <a:xfrm>
-            <a:off x="0" y="1774825"/>
-            <a:ext cx="12192000" cy="3306763"/>
+            <a:off x="125505" y="2011717"/>
+            <a:ext cx="5867400" cy="4667250"/>
           </a:xfrm>
           <a:prstGeom prst="rect">
             <a:avLst/>
@@ -3310,10 +3276,63 @@
           </a:extLst>
         </p:spPr>
       </p:pic>
+      <p:sp>
+        <p:nvSpPr>
+          <p:cNvPr id="3" name="TextBox 2">
+            <a:extLst>
+              <a:ext uri="{FF2B5EF4-FFF2-40B4-BE49-F238E27FC236}">
+                <a16:creationId xmlns:a16="http://schemas.microsoft.com/office/drawing/2014/main" id="{C6402ED7-8C7C-97EC-8C11-45505A5812E1}"/>
+              </a:ext>
+            </a:extLst>
+          </p:cNvPr>
+          <p:cNvSpPr txBox="1"/>
+          <p:nvPr/>
+        </p:nvSpPr>
+        <p:spPr>
+          <a:xfrm>
+            <a:off x="6364941" y="2348753"/>
+            <a:ext cx="5334000" cy="2585323"/>
+          </a:xfrm>
+          <a:prstGeom prst="rect">
+            <a:avLst/>
+          </a:prstGeom>
+          <a:noFill/>
+        </p:spPr>
+        <p:txBody>
+          <a:bodyPr wrap="square" rtlCol="0">
+            <a:spAutoFit/>
+          </a:bodyPr>
+          <a:lstStyle/>
+          <a:p>
+            <a:r>
+              <a:rPr lang="en-US" dirty="0"/>
+              <a:t>Using this data, it is clear to see that there is a greater amount of people with no risks who have experienced persistency compared to the amount who have not.</a:t>
+            </a:r>
+          </a:p>
+          <a:p>
+            <a:endParaRPr lang="en-US" dirty="0"/>
+          </a:p>
+          <a:p>
+            <a:r>
+              <a:rPr lang="en-US" dirty="0"/>
+              <a:t>This suggests that in order for a drug to be persistent on a patient, the patient must have little to no risks. </a:t>
+            </a:r>
+          </a:p>
+          <a:p>
+            <a:endParaRPr lang="en-US" dirty="0"/>
+          </a:p>
+          <a:p>
+            <a:r>
+              <a:rPr lang="en-US" dirty="0"/>
+              <a:t>Overall, risks pose a significant impact on the persistency of a drug on a patient.  </a:t>
+            </a:r>
+          </a:p>
+        </p:txBody>
+      </p:sp>
     </p:spTree>
     <p:extLst>
       <p:ext uri="{BB962C8B-B14F-4D97-AF65-F5344CB8AC3E}">
-        <p14:creationId xmlns:p14="http://schemas.microsoft.com/office/powerpoint/2010/main" val="2547098464"/>
+        <p14:creationId xmlns:p14="http://schemas.microsoft.com/office/powerpoint/2010/main" val="3275410347"/>
       </p:ext>
     </p:extLst>
   </p:cSld>
@@ -3450,7 +3469,7 @@
                   <a:srgbClr val="FF6600"/>
                 </a:solidFill>
               </a:rPr>
-              <a:t>Risks vs. Race</a:t>
+              <a:t>Risks vs. Ethnicity</a:t>
             </a:r>
           </a:p>
         </p:txBody>
@@ -3470,7 +3489,7 @@
         <p:spPr>
           <a:xfrm>
             <a:off x="349623" y="5096674"/>
-            <a:ext cx="11286565" cy="1200329"/>
+            <a:ext cx="11286565" cy="923330"/>
           </a:xfrm>
           <a:prstGeom prst="rect">
             <a:avLst/>
@@ -3485,17 +3504,17 @@
           <a:p>
             <a:r>
               <a:rPr lang="en-US" dirty="0"/>
-              <a:t>Overall, the Asian race seems to have a strong balance between people who have and have not experienced persistency. For the other races, however, people who don’t have persistency with drugs dominate. This is especially emphasized for the Other category and the African American category. On average, the African American community has a greater number of risks, which leads them to face a greater challenge in finding the persistency of a drug. </a:t>
+              <a:t>Overall, on average the Hispanic community faces a greater number of risks and a greater chance of not being persistent to a drug. In the graph above, the Hispanic group who does not experience persistency is the greatest column, indicating that the Hispanic community may find it difficult to increase their persistency with drugs. </a:t>
             </a:r>
           </a:p>
         </p:txBody>
       </p:sp>
       <p:pic>
         <p:nvPicPr>
-          <p:cNvPr id="6146" name="Picture 2">
+          <p:cNvPr id="5122" name="Picture 2">
             <a:extLst>
               <a:ext uri="{FF2B5EF4-FFF2-40B4-BE49-F238E27FC236}">
-                <a16:creationId xmlns:a16="http://schemas.microsoft.com/office/drawing/2014/main" id="{3DFF3DF5-F2DD-33B1-EAA7-1AC3D8AB3094}"/>
+                <a16:creationId xmlns:a16="http://schemas.microsoft.com/office/drawing/2014/main" id="{4E37858C-22F0-4520-1F21-76A9C5DB68FD}"/>
               </a:ext>
             </a:extLst>
           </p:cNvPr>
@@ -3519,8 +3538,8 @@
         </p:blipFill>
         <p:spPr bwMode="auto">
           <a:xfrm>
-            <a:off x="0" y="1768475"/>
-            <a:ext cx="12192000" cy="3321050"/>
+            <a:off x="0" y="1774825"/>
+            <a:ext cx="12192000" cy="3306763"/>
           </a:xfrm>
           <a:prstGeom prst="rect">
             <a:avLst/>
@@ -3540,7 +3559,7 @@
     </p:spTree>
     <p:extLst>
       <p:ext uri="{BB962C8B-B14F-4D97-AF65-F5344CB8AC3E}">
-        <p14:creationId xmlns:p14="http://schemas.microsoft.com/office/powerpoint/2010/main" val="187284669"/>
+        <p14:creationId xmlns:p14="http://schemas.microsoft.com/office/powerpoint/2010/main" val="2547098464"/>
       </p:ext>
     </p:extLst>
   </p:cSld>
@@ -3684,10 +3703,10 @@
       </p:sp>
       <p:sp>
         <p:nvSpPr>
-          <p:cNvPr id="3" name="TextBox 2">
+          <p:cNvPr id="7" name="TextBox 6">
             <a:extLst>
               <a:ext uri="{FF2B5EF4-FFF2-40B4-BE49-F238E27FC236}">
-                <a16:creationId xmlns:a16="http://schemas.microsoft.com/office/drawing/2014/main" id="{C6402ED7-8C7C-97EC-8C11-45505A5812E1}"/>
+                <a16:creationId xmlns:a16="http://schemas.microsoft.com/office/drawing/2014/main" id="{837BBD17-5173-0E64-BB1C-37505FA31704}"/>
               </a:ext>
             </a:extLst>
           </p:cNvPr>
@@ -3696,8 +3715,8 @@
         </p:nvSpPr>
         <p:spPr>
           <a:xfrm>
-            <a:off x="6364941" y="2348753"/>
-            <a:ext cx="5334000" cy="3139321"/>
+            <a:off x="349623" y="5096674"/>
+            <a:ext cx="11286565" cy="1200329"/>
           </a:xfrm>
           <a:prstGeom prst="rect">
             <a:avLst/>
@@ -3712,35 +3731,17 @@
           <a:p>
             <a:r>
               <a:rPr lang="en-US" dirty="0"/>
-              <a:t>This chart on the left is another graphical representation of the average count of risks and the race of a patient. </a:t>
-            </a:r>
-          </a:p>
-          <a:p>
-            <a:endParaRPr lang="en-US" dirty="0"/>
-          </a:p>
-          <a:p>
-            <a:r>
-              <a:rPr lang="en-US" dirty="0"/>
-              <a:t>It is clear that on average, the Caucasian race faces more variability for persistency within their group. </a:t>
-            </a:r>
-          </a:p>
-          <a:p>
-            <a:endParaRPr lang="en-US" dirty="0"/>
-          </a:p>
-          <a:p>
-            <a:r>
-              <a:rPr lang="en-US" dirty="0"/>
-              <a:t>For the African American group, as the risks increase, the non-persistent group grows slightly larger than the persistent group, suggesting that they face less persistency as a whole. </a:t>
+              <a:t>Overall, the Asian race seems to have a strong balance between people who have and have not experienced persistency. For the other races, however, people who don’t have persistency with drugs dominate. This is especially emphasized for the Other category and the African American category. On average, the African American community has a greater number of risks, which leads them to face a greater challenge in finding the persistency of a drug. </a:t>
             </a:r>
           </a:p>
         </p:txBody>
       </p:sp>
       <p:pic>
         <p:nvPicPr>
-          <p:cNvPr id="7172" name="Picture 4">
+          <p:cNvPr id="6146" name="Picture 2">
             <a:extLst>
               <a:ext uri="{FF2B5EF4-FFF2-40B4-BE49-F238E27FC236}">
-                <a16:creationId xmlns:a16="http://schemas.microsoft.com/office/drawing/2014/main" id="{1E04AE53-3E7F-29B5-0628-9EDEC75174B0}"/>
+                <a16:creationId xmlns:a16="http://schemas.microsoft.com/office/drawing/2014/main" id="{3DFF3DF5-F2DD-33B1-EAA7-1AC3D8AB3094}"/>
               </a:ext>
             </a:extLst>
           </p:cNvPr>
@@ -3764,8 +3765,8 @@
         </p:blipFill>
         <p:spPr bwMode="auto">
           <a:xfrm>
-            <a:off x="0" y="2010442"/>
-            <a:ext cx="5553075" cy="4876800"/>
+            <a:off x="0" y="1768475"/>
+            <a:ext cx="12192000" cy="3321050"/>
           </a:xfrm>
           <a:prstGeom prst="rect">
             <a:avLst/>
@@ -3785,7 +3786,7 @@
     </p:spTree>
     <p:extLst>
       <p:ext uri="{BB962C8B-B14F-4D97-AF65-F5344CB8AC3E}">
-        <p14:creationId xmlns:p14="http://schemas.microsoft.com/office/powerpoint/2010/main" val="2469568706"/>
+        <p14:creationId xmlns:p14="http://schemas.microsoft.com/office/powerpoint/2010/main" val="187284669"/>
       </p:ext>
     </p:extLst>
   </p:cSld>
@@ -3922,17 +3923,17 @@
                   <a:srgbClr val="FF6600"/>
                 </a:solidFill>
               </a:rPr>
-              <a:t>Risks vs. Age</a:t>
-            </a:r>
-          </a:p>
-        </p:txBody>
-      </p:sp>
-      <p:sp>
-        <p:nvSpPr>
-          <p:cNvPr id="7" name="TextBox 6">
+              <a:t>Risks vs. Race</a:t>
+            </a:r>
+          </a:p>
+        </p:txBody>
+      </p:sp>
+      <p:sp>
+        <p:nvSpPr>
+          <p:cNvPr id="3" name="TextBox 2">
             <a:extLst>
               <a:ext uri="{FF2B5EF4-FFF2-40B4-BE49-F238E27FC236}">
-                <a16:creationId xmlns:a16="http://schemas.microsoft.com/office/drawing/2014/main" id="{837BBD17-5173-0E64-BB1C-37505FA31704}"/>
+                <a16:creationId xmlns:a16="http://schemas.microsoft.com/office/drawing/2014/main" id="{C6402ED7-8C7C-97EC-8C11-45505A5812E1}"/>
               </a:ext>
             </a:extLst>
           </p:cNvPr>
@@ -3941,8 +3942,8 @@
         </p:nvSpPr>
         <p:spPr>
           <a:xfrm>
-            <a:off x="349623" y="5089525"/>
-            <a:ext cx="11286565" cy="923330"/>
+            <a:off x="6364941" y="2348753"/>
+            <a:ext cx="5334000" cy="3139321"/>
           </a:xfrm>
           <a:prstGeom prst="rect">
             <a:avLst/>
@@ -3957,17 +3958,35 @@
           <a:p>
             <a:r>
               <a:rPr lang="en-US" dirty="0"/>
-              <a:t>The groups of ages &lt;55 and 65-75  seem to have a greater disparity between persistent and non-persistent patients. Group 55-65 has a reduced distance between the two groups. Using this data, it is clear that younger patients may not have persistency towards a drug and older people as well. </a:t>
+              <a:t>This chart on the left is another graphical representation of the average count of risks and the race of a patient. </a:t>
+            </a:r>
+          </a:p>
+          <a:p>
+            <a:endParaRPr lang="en-US" dirty="0"/>
+          </a:p>
+          <a:p>
+            <a:r>
+              <a:rPr lang="en-US" dirty="0"/>
+              <a:t>It is clear that on average, the Caucasian race faces more variability for persistency within their group. </a:t>
+            </a:r>
+          </a:p>
+          <a:p>
+            <a:endParaRPr lang="en-US" dirty="0"/>
+          </a:p>
+          <a:p>
+            <a:r>
+              <a:rPr lang="en-US" dirty="0"/>
+              <a:t>For the African American group, as the risks increase, the non-persistent group grows slightly larger than the persistent group, suggesting that they face less persistency as a whole. </a:t>
             </a:r>
           </a:p>
         </p:txBody>
       </p:sp>
       <p:pic>
         <p:nvPicPr>
-          <p:cNvPr id="8194" name="Picture 2">
+          <p:cNvPr id="7172" name="Picture 4">
             <a:extLst>
               <a:ext uri="{FF2B5EF4-FFF2-40B4-BE49-F238E27FC236}">
-                <a16:creationId xmlns:a16="http://schemas.microsoft.com/office/drawing/2014/main" id="{61665141-B3FF-0F4E-B974-8AF697F8884E}"/>
+                <a16:creationId xmlns:a16="http://schemas.microsoft.com/office/drawing/2014/main" id="{1E04AE53-3E7F-29B5-0628-9EDEC75174B0}"/>
               </a:ext>
             </a:extLst>
           </p:cNvPr>
@@ -3991,8 +4010,8 @@
         </p:blipFill>
         <p:spPr bwMode="auto">
           <a:xfrm>
-            <a:off x="0" y="1768475"/>
-            <a:ext cx="12192000" cy="3321050"/>
+            <a:off x="0" y="2010442"/>
+            <a:ext cx="5553075" cy="4876800"/>
           </a:xfrm>
           <a:prstGeom prst="rect">
             <a:avLst/>
@@ -4012,7 +4031,7 @@
     </p:spTree>
     <p:extLst>
       <p:ext uri="{BB962C8B-B14F-4D97-AF65-F5344CB8AC3E}">
-        <p14:creationId xmlns:p14="http://schemas.microsoft.com/office/powerpoint/2010/main" val="420618739"/>
+        <p14:creationId xmlns:p14="http://schemas.microsoft.com/office/powerpoint/2010/main" val="2469568706"/>
       </p:ext>
     </p:extLst>
   </p:cSld>
@@ -4057,8 +4076,8 @@
         </p:nvSpPr>
         <p:spPr>
           <a:xfrm rot="10800000">
-            <a:off x="-1" y="-60290"/>
-            <a:ext cx="3150236" cy="2010441"/>
+            <a:off x="1" y="0"/>
+            <a:ext cx="12191999" cy="2010441"/>
           </a:xfrm>
           <a:solidFill>
             <a:srgbClr val="3B3B3B"/>
@@ -4079,6 +4098,42 @@
           </a:p>
         </p:txBody>
       </p:sp>
+      <p:pic>
+        <p:nvPicPr>
+          <p:cNvPr id="4" name="Picture 3">
+            <a:extLst>
+              <a:ext uri="{FF2B5EF4-FFF2-40B4-BE49-F238E27FC236}">
+                <a16:creationId xmlns:a16="http://schemas.microsoft.com/office/drawing/2014/main" id="{7A465064-0714-5743-882B-8875105A7023}"/>
+              </a:ext>
+            </a:extLst>
+          </p:cNvPr>
+          <p:cNvPicPr>
+            <a:picLocks noChangeAspect="1"/>
+          </p:cNvPicPr>
+          <p:nvPr/>
+        </p:nvPicPr>
+        <p:blipFill>
+          <a:blip r:embed="rId2" cstate="print">
+            <a:extLst>
+              <a:ext uri="{28A0092B-C50C-407E-A947-70E740481C1C}">
+                <a14:useLocalDpi xmlns:a14="http://schemas.microsoft.com/office/drawing/2010/main" val="0"/>
+              </a:ext>
+            </a:extLst>
+          </a:blip>
+          <a:stretch>
+            <a:fillRect/>
+          </a:stretch>
+        </p:blipFill>
+        <p:spPr>
+          <a:xfrm>
+            <a:off x="0" y="5863771"/>
+            <a:ext cx="1654627" cy="994232"/>
+          </a:xfrm>
+          <a:prstGeom prst="rect">
+            <a:avLst/>
+          </a:prstGeom>
+        </p:spPr>
+      </p:pic>
       <p:sp>
         <p:nvSpPr>
           <p:cNvPr id="5" name="TextBox 4">
@@ -4093,8 +4148,8 @@
         </p:nvSpPr>
         <p:spPr>
           <a:xfrm>
-            <a:off x="96688" y="-20096"/>
-            <a:ext cx="3517797" cy="1938992"/>
+            <a:off x="1093694" y="591671"/>
+            <a:ext cx="8668871" cy="1015663"/>
           </a:xfrm>
           <a:prstGeom prst="rect">
             <a:avLst/>
@@ -4113,17 +4168,52 @@
                   <a:srgbClr val="FF6600"/>
                 </a:solidFill>
               </a:rPr>
-              <a:t>Specialty vs Count</a:t>
+              <a:t>Risks vs. Age</a:t>
+            </a:r>
+          </a:p>
+        </p:txBody>
+      </p:sp>
+      <p:sp>
+        <p:nvSpPr>
+          <p:cNvPr id="7" name="TextBox 6">
+            <a:extLst>
+              <a:ext uri="{FF2B5EF4-FFF2-40B4-BE49-F238E27FC236}">
+                <a16:creationId xmlns:a16="http://schemas.microsoft.com/office/drawing/2014/main" id="{837BBD17-5173-0E64-BB1C-37505FA31704}"/>
+              </a:ext>
+            </a:extLst>
+          </p:cNvPr>
+          <p:cNvSpPr txBox="1"/>
+          <p:nvPr/>
+        </p:nvSpPr>
+        <p:spPr>
+          <a:xfrm>
+            <a:off x="349623" y="5089525"/>
+            <a:ext cx="11286565" cy="923330"/>
+          </a:xfrm>
+          <a:prstGeom prst="rect">
+            <a:avLst/>
+          </a:prstGeom>
+          <a:noFill/>
+        </p:spPr>
+        <p:txBody>
+          <a:bodyPr wrap="square" rtlCol="0">
+            <a:spAutoFit/>
+          </a:bodyPr>
+          <a:lstStyle/>
+          <a:p>
+            <a:r>
+              <a:rPr lang="en-US" dirty="0"/>
+              <a:t>The groups of ages &lt;55 and 65-75  seem to have a greater disparity between persistent and non-persistent patients. Group 55-65 has a reduced distance between the two groups. Using this data, it is clear that younger patients may not have persistency towards a drug and older people as well. </a:t>
             </a:r>
           </a:p>
         </p:txBody>
       </p:sp>
       <p:pic>
         <p:nvPicPr>
-          <p:cNvPr id="9218" name="Picture 2">
+          <p:cNvPr id="8194" name="Picture 2">
             <a:extLst>
               <a:ext uri="{FF2B5EF4-FFF2-40B4-BE49-F238E27FC236}">
-                <a16:creationId xmlns:a16="http://schemas.microsoft.com/office/drawing/2014/main" id="{8FC9712C-AADF-EA14-1A43-3497634C5A58}"/>
+                <a16:creationId xmlns:a16="http://schemas.microsoft.com/office/drawing/2014/main" id="{61665141-B3FF-0F4E-B974-8AF697F8884E}"/>
               </a:ext>
             </a:extLst>
           </p:cNvPr>
@@ -4133,7 +4223,7 @@
           <p:nvPr/>
         </p:nvPicPr>
         <p:blipFill>
-          <a:blip r:embed="rId2">
+          <a:blip r:embed="rId3">
             <a:extLst>
               <a:ext uri="{28A0092B-C50C-407E-A947-70E740481C1C}">
                 <a14:useLocalDpi xmlns:a14="http://schemas.microsoft.com/office/drawing/2010/main" val="0"/>
@@ -4147,8 +4237,8 @@
         </p:blipFill>
         <p:spPr bwMode="auto">
           <a:xfrm>
-            <a:off x="3150236" y="0"/>
-            <a:ext cx="9041764" cy="6858000"/>
+            <a:off x="0" y="1768475"/>
+            <a:ext cx="12192000" cy="3321050"/>
           </a:xfrm>
           <a:prstGeom prst="rect">
             <a:avLst/>
@@ -4165,72 +4255,10 @@
           </a:extLst>
         </p:spPr>
       </p:pic>
-      <p:sp>
-        <p:nvSpPr>
-          <p:cNvPr id="3" name="TextBox 2">
-            <a:extLst>
-              <a:ext uri="{FF2B5EF4-FFF2-40B4-BE49-F238E27FC236}">
-                <a16:creationId xmlns:a16="http://schemas.microsoft.com/office/drawing/2014/main" id="{A6E4AC38-4833-4B1F-99ED-55D8E096E6F1}"/>
-              </a:ext>
-            </a:extLst>
-          </p:cNvPr>
-          <p:cNvSpPr txBox="1"/>
-          <p:nvPr/>
-        </p:nvSpPr>
-        <p:spPr>
-          <a:xfrm>
-            <a:off x="96688" y="1949040"/>
-            <a:ext cx="3053547" cy="4801314"/>
-          </a:xfrm>
-          <a:prstGeom prst="rect">
-            <a:avLst/>
-          </a:prstGeom>
-          <a:noFill/>
-        </p:spPr>
-        <p:txBody>
-          <a:bodyPr wrap="square" rtlCol="0">
-            <a:spAutoFit/>
-          </a:bodyPr>
-          <a:lstStyle/>
-          <a:p>
-            <a:r>
-              <a:rPr lang="en-US" dirty="0"/>
-              <a:t>The data from this graph represents the specialty of the HCP that prescribed the drug. </a:t>
-            </a:r>
-          </a:p>
-          <a:p>
-            <a:endParaRPr lang="en-US" dirty="0"/>
-          </a:p>
-          <a:p>
-            <a:r>
-              <a:rPr lang="en-US" dirty="0"/>
-              <a:t>Clearly, the general practitioner prescribed the most medicines. </a:t>
-            </a:r>
-          </a:p>
-          <a:p>
-            <a:endParaRPr lang="en-US" dirty="0"/>
-          </a:p>
-          <a:p>
-            <a:r>
-              <a:rPr lang="en-US" dirty="0"/>
-              <a:t>The endocrinologist has about 49% of their drugs not be persistent. </a:t>
-            </a:r>
-          </a:p>
-          <a:p>
-            <a:endParaRPr lang="en-US" dirty="0"/>
-          </a:p>
-          <a:p>
-            <a:r>
-              <a:rPr lang="en-US" dirty="0"/>
-              <a:t>Oncology also has a minimal number of drugs being persistent. This could also be due to cancer not having a specific cure. </a:t>
-            </a:r>
-          </a:p>
-        </p:txBody>
-      </p:sp>
     </p:spTree>
     <p:extLst>
       <p:ext uri="{BB962C8B-B14F-4D97-AF65-F5344CB8AC3E}">
-        <p14:creationId xmlns:p14="http://schemas.microsoft.com/office/powerpoint/2010/main" val="427349821"/>
+        <p14:creationId xmlns:p14="http://schemas.microsoft.com/office/powerpoint/2010/main" val="420618739"/>
       </p:ext>
     </p:extLst>
   </p:cSld>
@@ -4259,10 +4287,50 @@
       </p:grpSpPr>
       <p:sp>
         <p:nvSpPr>
-          <p:cNvPr id="3" name="TextBox 2">
+          <p:cNvPr id="2" name="Title 1">
             <a:extLst>
               <a:ext uri="{FF2B5EF4-FFF2-40B4-BE49-F238E27FC236}">
-                <a16:creationId xmlns:a16="http://schemas.microsoft.com/office/drawing/2014/main" id="{A6E4AC38-4833-4B1F-99ED-55D8E096E6F1}"/>
+                <a16:creationId xmlns:a16="http://schemas.microsoft.com/office/drawing/2014/main" id="{E8B8F26E-9345-4747-9094-972E38700A17}"/>
+              </a:ext>
+            </a:extLst>
+          </p:cNvPr>
+          <p:cNvSpPr>
+            <a:spLocks noGrp="1"/>
+          </p:cNvSpPr>
+          <p:nvPr>
+            <p:ph type="ctrTitle"/>
+          </p:nvPr>
+        </p:nvSpPr>
+        <p:spPr>
+          <a:xfrm rot="10800000">
+            <a:off x="-1" y="-60290"/>
+            <a:ext cx="3150236" cy="2010441"/>
+          </a:xfrm>
+          <a:solidFill>
+            <a:srgbClr val="3B3B3B"/>
+          </a:solidFill>
+        </p:spPr>
+        <p:txBody>
+          <a:bodyPr vert="vert270" anchor="t" anchorCtr="0"/>
+          <a:lstStyle/>
+          <a:p>
+            <a:r>
+              <a:rPr lang="en-US" b="1" dirty="0">
+                <a:solidFill>
+                  <a:srgbClr val="3B3B3B"/>
+                </a:solidFill>
+              </a:rPr>
+              <a:t>.</a:t>
+            </a:r>
+          </a:p>
+        </p:txBody>
+      </p:sp>
+      <p:sp>
+        <p:nvSpPr>
+          <p:cNvPr id="5" name="TextBox 4">
+            <a:extLst>
+              <a:ext uri="{FF2B5EF4-FFF2-40B4-BE49-F238E27FC236}">
+                <a16:creationId xmlns:a16="http://schemas.microsoft.com/office/drawing/2014/main" id="{FCE4806D-1A6D-0446-CBE8-F13373750803}"/>
               </a:ext>
             </a:extLst>
           </p:cNvPr>
@@ -4271,8 +4339,8 @@
         </p:nvSpPr>
         <p:spPr>
           <a:xfrm>
-            <a:off x="96688" y="1949040"/>
-            <a:ext cx="3053547" cy="4801314"/>
+            <a:off x="96688" y="-20096"/>
+            <a:ext cx="3517797" cy="1938992"/>
           </a:xfrm>
           <a:prstGeom prst="rect">
             <a:avLst/>
@@ -4286,45 +4354,22 @@
           <a:lstStyle/>
           <a:p>
             <a:r>
-              <a:rPr lang="en-US" dirty="0"/>
-              <a:t>The data from this graph represents the specialty of the HCP that prescribed the drug. </a:t>
-            </a:r>
-          </a:p>
-          <a:p>
-            <a:endParaRPr lang="en-US" dirty="0"/>
-          </a:p>
-          <a:p>
-            <a:r>
-              <a:rPr lang="en-US" dirty="0"/>
-              <a:t>Clearly, the general practitioner prescribed the most medicines. </a:t>
-            </a:r>
-          </a:p>
-          <a:p>
-            <a:endParaRPr lang="en-US" dirty="0"/>
-          </a:p>
-          <a:p>
-            <a:r>
-              <a:rPr lang="en-US" dirty="0"/>
-              <a:t>The endocrinologist has about 49% of their drugs not be persistent. </a:t>
-            </a:r>
-          </a:p>
-          <a:p>
-            <a:endParaRPr lang="en-US" dirty="0"/>
-          </a:p>
-          <a:p>
-            <a:r>
-              <a:rPr lang="en-US" dirty="0"/>
-              <a:t>Oncology also has a minimal number of drugs being persistent. This could also be due to cancer not having a specific cure. </a:t>
+              <a:rPr lang="en-US" sz="6000" dirty="0">
+                <a:solidFill>
+                  <a:srgbClr val="FF6600"/>
+                </a:solidFill>
+              </a:rPr>
+              <a:t>Specialty vs Count</a:t>
             </a:r>
           </a:p>
         </p:txBody>
       </p:sp>
       <p:pic>
         <p:nvPicPr>
-          <p:cNvPr id="10244" name="Picture 4">
+          <p:cNvPr id="9218" name="Picture 2">
             <a:extLst>
               <a:ext uri="{FF2B5EF4-FFF2-40B4-BE49-F238E27FC236}">
-                <a16:creationId xmlns:a16="http://schemas.microsoft.com/office/drawing/2014/main" id="{AA05265C-DD3B-E542-BAF0-72BDA079B9EC}"/>
+                <a16:creationId xmlns:a16="http://schemas.microsoft.com/office/drawing/2014/main" id="{8FC9712C-AADF-EA14-1A43-3497634C5A58}"/>
               </a:ext>
             </a:extLst>
           </p:cNvPr>
@@ -4347,9 +4392,9 @@
           </a:stretch>
         </p:blipFill>
         <p:spPr bwMode="auto">
-          <a:xfrm rot="-5400000">
-            <a:off x="2666999" y="-2667003"/>
-            <a:ext cx="6858001" cy="12192004"/>
+          <a:xfrm>
+            <a:off x="3150236" y="0"/>
+            <a:ext cx="9041764" cy="6858000"/>
           </a:xfrm>
           <a:prstGeom prst="rect">
             <a:avLst/>
@@ -4366,10 +4411,72 @@
           </a:extLst>
         </p:spPr>
       </p:pic>
+      <p:sp>
+        <p:nvSpPr>
+          <p:cNvPr id="3" name="TextBox 2">
+            <a:extLst>
+              <a:ext uri="{FF2B5EF4-FFF2-40B4-BE49-F238E27FC236}">
+                <a16:creationId xmlns:a16="http://schemas.microsoft.com/office/drawing/2014/main" id="{A6E4AC38-4833-4B1F-99ED-55D8E096E6F1}"/>
+              </a:ext>
+            </a:extLst>
+          </p:cNvPr>
+          <p:cNvSpPr txBox="1"/>
+          <p:nvPr/>
+        </p:nvSpPr>
+        <p:spPr>
+          <a:xfrm>
+            <a:off x="96688" y="1949040"/>
+            <a:ext cx="3053547" cy="4801314"/>
+          </a:xfrm>
+          <a:prstGeom prst="rect">
+            <a:avLst/>
+          </a:prstGeom>
+          <a:noFill/>
+        </p:spPr>
+        <p:txBody>
+          <a:bodyPr wrap="square" rtlCol="0">
+            <a:spAutoFit/>
+          </a:bodyPr>
+          <a:lstStyle/>
+          <a:p>
+            <a:r>
+              <a:rPr lang="en-US" dirty="0"/>
+              <a:t>The data from this graph represents the specialty of the HCP that prescribed the drug. </a:t>
+            </a:r>
+          </a:p>
+          <a:p>
+            <a:endParaRPr lang="en-US" dirty="0"/>
+          </a:p>
+          <a:p>
+            <a:r>
+              <a:rPr lang="en-US" dirty="0"/>
+              <a:t>Clearly, the general practitioner prescribed the most medicines. </a:t>
+            </a:r>
+          </a:p>
+          <a:p>
+            <a:endParaRPr lang="en-US" dirty="0"/>
+          </a:p>
+          <a:p>
+            <a:r>
+              <a:rPr lang="en-US" dirty="0"/>
+              <a:t>The endocrinologist has about 49% of their drugs not be persistent. </a:t>
+            </a:r>
+          </a:p>
+          <a:p>
+            <a:endParaRPr lang="en-US" dirty="0"/>
+          </a:p>
+          <a:p>
+            <a:r>
+              <a:rPr lang="en-US" dirty="0"/>
+              <a:t>Oncology also has a minimal number of drugs being persistent. This could also be due to cancer not having a specific cure. </a:t>
+            </a:r>
+          </a:p>
+        </p:txBody>
+      </p:sp>
     </p:spTree>
     <p:extLst>
       <p:ext uri="{BB962C8B-B14F-4D97-AF65-F5344CB8AC3E}">
-        <p14:creationId xmlns:p14="http://schemas.microsoft.com/office/powerpoint/2010/main" val="1235218932"/>
+        <p14:creationId xmlns:p14="http://schemas.microsoft.com/office/powerpoint/2010/main" val="427349821"/>
       </p:ext>
     </p:extLst>
   </p:cSld>
@@ -4398,173 +4505,117 @@
       </p:grpSpPr>
       <p:sp>
         <p:nvSpPr>
-          <p:cNvPr id="2" name="Title 1">
+          <p:cNvPr id="3" name="TextBox 2">
             <a:extLst>
               <a:ext uri="{FF2B5EF4-FFF2-40B4-BE49-F238E27FC236}">
-                <a16:creationId xmlns:a16="http://schemas.microsoft.com/office/drawing/2014/main" id="{E8B8F26E-9345-4747-9094-972E38700A17}"/>
+                <a16:creationId xmlns:a16="http://schemas.microsoft.com/office/drawing/2014/main" id="{A6E4AC38-4833-4B1F-99ED-55D8E096E6F1}"/>
               </a:ext>
             </a:extLst>
           </p:cNvPr>
-          <p:cNvSpPr>
-            <a:spLocks noGrp="1"/>
-          </p:cNvSpPr>
-          <p:nvPr>
-            <p:ph type="ctrTitle"/>
-          </p:nvPr>
+          <p:cNvSpPr txBox="1"/>
+          <p:nvPr/>
         </p:nvSpPr>
         <p:spPr>
-          <a:xfrm rot="10800000">
-            <a:off x="1" y="0"/>
-            <a:ext cx="12191999" cy="2010441"/>
-          </a:xfrm>
-          <a:solidFill>
-            <a:srgbClr val="3B3B3B"/>
-          </a:solidFill>
-        </p:spPr>
-        <p:txBody>
-          <a:bodyPr vert="vert270" anchor="t" anchorCtr="0"/>
-          <a:lstStyle/>
-          <a:p>
-            <a:r>
-              <a:rPr lang="en-US" b="1" dirty="0">
-                <a:solidFill>
-                  <a:srgbClr val="3B3B3B"/>
-                </a:solidFill>
-              </a:rPr>
-              <a:t>.</a:t>
+          <a:xfrm>
+            <a:off x="96688" y="1949040"/>
+            <a:ext cx="3053547" cy="4801314"/>
+          </a:xfrm>
+          <a:prstGeom prst="rect">
+            <a:avLst/>
+          </a:prstGeom>
+          <a:noFill/>
+        </p:spPr>
+        <p:txBody>
+          <a:bodyPr wrap="square" rtlCol="0">
+            <a:spAutoFit/>
+          </a:bodyPr>
+          <a:lstStyle/>
+          <a:p>
+            <a:r>
+              <a:rPr lang="en-US" dirty="0"/>
+              <a:t>The data from this graph represents the specialty of the HCP that prescribed the drug. </a:t>
+            </a:r>
+          </a:p>
+          <a:p>
+            <a:endParaRPr lang="en-US" dirty="0"/>
+          </a:p>
+          <a:p>
+            <a:r>
+              <a:rPr lang="en-US" dirty="0"/>
+              <a:t>Clearly, the general practitioner prescribed the most medicines. </a:t>
+            </a:r>
+          </a:p>
+          <a:p>
+            <a:endParaRPr lang="en-US" dirty="0"/>
+          </a:p>
+          <a:p>
+            <a:r>
+              <a:rPr lang="en-US" dirty="0"/>
+              <a:t>The endocrinologist has about 49% of their drugs not be persistent. </a:t>
+            </a:r>
+          </a:p>
+          <a:p>
+            <a:endParaRPr lang="en-US" dirty="0"/>
+          </a:p>
+          <a:p>
+            <a:r>
+              <a:rPr lang="en-US" dirty="0"/>
+              <a:t>Oncology also has a minimal number of drugs being persistent. This could also be due to cancer not having a specific cure. </a:t>
             </a:r>
           </a:p>
         </p:txBody>
       </p:sp>
       <p:pic>
         <p:nvPicPr>
-          <p:cNvPr id="4" name="Picture 3">
+          <p:cNvPr id="10244" name="Picture 4">
             <a:extLst>
               <a:ext uri="{FF2B5EF4-FFF2-40B4-BE49-F238E27FC236}">
-                <a16:creationId xmlns:a16="http://schemas.microsoft.com/office/drawing/2014/main" id="{7A465064-0714-5743-882B-8875105A7023}"/>
+                <a16:creationId xmlns:a16="http://schemas.microsoft.com/office/drawing/2014/main" id="{AA05265C-DD3B-E542-BAF0-72BDA079B9EC}"/>
               </a:ext>
             </a:extLst>
           </p:cNvPr>
           <p:cNvPicPr>
-            <a:picLocks noChangeAspect="1"/>
+            <a:picLocks noChangeAspect="1" noChangeArrowheads="1"/>
           </p:cNvPicPr>
           <p:nvPr/>
         </p:nvPicPr>
         <p:blipFill>
-          <a:blip r:embed="rId2" cstate="print">
+          <a:blip r:embed="rId2">
             <a:extLst>
               <a:ext uri="{28A0092B-C50C-407E-A947-70E740481C1C}">
                 <a14:useLocalDpi xmlns:a14="http://schemas.microsoft.com/office/drawing/2010/main" val="0"/>
               </a:ext>
             </a:extLst>
           </a:blip>
+          <a:srcRect/>
           <a:stretch>
             <a:fillRect/>
           </a:stretch>
         </p:blipFill>
-        <p:spPr>
-          <a:xfrm>
-            <a:off x="0" y="5863771"/>
-            <a:ext cx="1654627" cy="994232"/>
-          </a:xfrm>
-          <a:prstGeom prst="rect">
-            <a:avLst/>
-          </a:prstGeom>
-        </p:spPr>
-      </p:pic>
-      <p:sp>
-        <p:nvSpPr>
-          <p:cNvPr id="5" name="TextBox 4">
-            <a:extLst>
-              <a:ext uri="{FF2B5EF4-FFF2-40B4-BE49-F238E27FC236}">
-                <a16:creationId xmlns:a16="http://schemas.microsoft.com/office/drawing/2014/main" id="{FCE4806D-1A6D-0446-CBE8-F13373750803}"/>
-              </a:ext>
-            </a:extLst>
-          </p:cNvPr>
-          <p:cNvSpPr txBox="1"/>
-          <p:nvPr/>
-        </p:nvSpPr>
-        <p:spPr>
-          <a:xfrm>
-            <a:off x="1093694" y="591671"/>
-            <a:ext cx="8668871" cy="1015663"/>
+        <p:spPr bwMode="auto">
+          <a:xfrm rot="-5400000">
+            <a:off x="2666999" y="-2667003"/>
+            <a:ext cx="6858001" cy="12192004"/>
           </a:xfrm>
           <a:prstGeom prst="rect">
             <a:avLst/>
           </a:prstGeom>
           <a:noFill/>
-        </p:spPr>
-        <p:txBody>
-          <a:bodyPr wrap="square" rtlCol="0">
-            <a:spAutoFit/>
-          </a:bodyPr>
-          <a:lstStyle/>
-          <a:p>
-            <a:r>
-              <a:rPr lang="en-US" sz="6000" dirty="0">
+          <a:extLst>
+            <a:ext uri="{909E8E84-426E-40DD-AFC4-6F175D3DCCD1}">
+              <a14:hiddenFill xmlns:a14="http://schemas.microsoft.com/office/drawing/2010/main">
                 <a:solidFill>
-                  <a:srgbClr val="FF6600"/>
+                  <a:srgbClr val="FFFFFF"/>
                 </a:solidFill>
-              </a:rPr>
-              <a:t>Specialty vs Count</a:t>
-            </a:r>
-          </a:p>
-        </p:txBody>
-      </p:sp>
-      <p:sp>
-        <p:nvSpPr>
-          <p:cNvPr id="7" name="TextBox 6">
-            <a:extLst>
-              <a:ext uri="{FF2B5EF4-FFF2-40B4-BE49-F238E27FC236}">
-                <a16:creationId xmlns:a16="http://schemas.microsoft.com/office/drawing/2014/main" id="{837BBD17-5173-0E64-BB1C-37505FA31704}"/>
-              </a:ext>
-            </a:extLst>
-          </p:cNvPr>
-          <p:cNvSpPr txBox="1"/>
-          <p:nvPr/>
-        </p:nvSpPr>
-        <p:spPr>
-          <a:xfrm>
-            <a:off x="452717" y="2199006"/>
-            <a:ext cx="11286565" cy="1754326"/>
-          </a:xfrm>
-          <a:prstGeom prst="rect">
-            <a:avLst/>
-          </a:prstGeom>
-          <a:noFill/>
-        </p:spPr>
-        <p:txBody>
-          <a:bodyPr wrap="square" rtlCol="0">
-            <a:spAutoFit/>
-          </a:bodyPr>
-          <a:lstStyle/>
-          <a:p>
-            <a:r>
-              <a:rPr lang="en-US" dirty="0"/>
-              <a:t>The previous slide uses another graphical representation of a HCP’s specialty and the average count of risks. </a:t>
-            </a:r>
-          </a:p>
-          <a:p>
-            <a:endParaRPr lang="en-US" dirty="0"/>
-          </a:p>
-          <a:p>
-            <a:r>
-              <a:rPr lang="en-US" dirty="0"/>
-              <a:t>Some of these specialties are rare to identify, which may affect the data analysis. With more data on less popular specialties, we may be able to draw conclusions based on the HCP’s specialty. </a:t>
-            </a:r>
-          </a:p>
-          <a:p>
-            <a:endParaRPr lang="en-US" dirty="0"/>
-          </a:p>
-          <a:p>
-            <a:endParaRPr lang="en-US" dirty="0"/>
-          </a:p>
-        </p:txBody>
-      </p:sp>
+              </a14:hiddenFill>
+            </a:ext>
+          </a:extLst>
+        </p:spPr>
+      </p:pic>
     </p:spTree>
     <p:extLst>
       <p:ext uri="{BB962C8B-B14F-4D97-AF65-F5344CB8AC3E}">
-        <p14:creationId xmlns:p14="http://schemas.microsoft.com/office/powerpoint/2010/main" val="4938019"/>
+        <p14:creationId xmlns:p14="http://schemas.microsoft.com/office/powerpoint/2010/main" val="1235218932"/>
       </p:ext>
     </p:extLst>
   </p:cSld>
@@ -4701,6 +4752,243 @@
                   <a:srgbClr val="FF6600"/>
                 </a:solidFill>
               </a:rPr>
+              <a:t>Specialty vs Count</a:t>
+            </a:r>
+          </a:p>
+        </p:txBody>
+      </p:sp>
+      <p:sp>
+        <p:nvSpPr>
+          <p:cNvPr id="7" name="TextBox 6">
+            <a:extLst>
+              <a:ext uri="{FF2B5EF4-FFF2-40B4-BE49-F238E27FC236}">
+                <a16:creationId xmlns:a16="http://schemas.microsoft.com/office/drawing/2014/main" id="{837BBD17-5173-0E64-BB1C-37505FA31704}"/>
+              </a:ext>
+            </a:extLst>
+          </p:cNvPr>
+          <p:cNvSpPr txBox="1"/>
+          <p:nvPr/>
+        </p:nvSpPr>
+        <p:spPr>
+          <a:xfrm>
+            <a:off x="452717" y="2199006"/>
+            <a:ext cx="11286565" cy="1754326"/>
+          </a:xfrm>
+          <a:prstGeom prst="rect">
+            <a:avLst/>
+          </a:prstGeom>
+          <a:noFill/>
+        </p:spPr>
+        <p:txBody>
+          <a:bodyPr wrap="square" rtlCol="0">
+            <a:spAutoFit/>
+          </a:bodyPr>
+          <a:lstStyle/>
+          <a:p>
+            <a:r>
+              <a:rPr lang="en-US" dirty="0"/>
+              <a:t>The previous slide uses another graphical representation of a HCP’s specialty and the average count of risks. </a:t>
+            </a:r>
+          </a:p>
+          <a:p>
+            <a:endParaRPr lang="en-US" dirty="0"/>
+          </a:p>
+          <a:p>
+            <a:r>
+              <a:rPr lang="en-US" dirty="0"/>
+              <a:t>Some of these specialties are rare to identify, which may affect the data analysis. With more data on less popular specialties, we may be able to draw conclusions based on the HCP’s specialty. </a:t>
+            </a:r>
+          </a:p>
+          <a:p>
+            <a:endParaRPr lang="en-US" dirty="0"/>
+          </a:p>
+          <a:p>
+            <a:r>
+              <a:rPr lang="en-US" dirty="0"/>
+              <a:t>Overall, the specialty of a person’s HCP has the potential to have an affect on the persistency of a drug for a patient. </a:t>
+            </a:r>
+          </a:p>
+        </p:txBody>
+      </p:sp>
+      <p:pic>
+        <p:nvPicPr>
+          <p:cNvPr id="6" name="Graphic 5" descr="Medicine with solid fill">
+            <a:extLst>
+              <a:ext uri="{FF2B5EF4-FFF2-40B4-BE49-F238E27FC236}">
+                <a16:creationId xmlns:a16="http://schemas.microsoft.com/office/drawing/2014/main" id="{65F24D20-8D11-A65F-230B-7D8613CBBAF8}"/>
+              </a:ext>
+            </a:extLst>
+          </p:cNvPr>
+          <p:cNvPicPr>
+            <a:picLocks noChangeAspect="1"/>
+          </p:cNvPicPr>
+          <p:nvPr/>
+        </p:nvPicPr>
+        <p:blipFill>
+          <a:blip r:embed="rId3">
+            <a:extLst>
+              <a:ext uri="{28A0092B-C50C-407E-A947-70E740481C1C}">
+                <a14:useLocalDpi xmlns:a14="http://schemas.microsoft.com/office/drawing/2010/main" val="0"/>
+              </a:ext>
+              <a:ext uri="{96DAC541-7B7A-43D3-8B79-37D633B846F1}">
+                <asvg:svgBlip xmlns:asvg="http://schemas.microsoft.com/office/drawing/2016/SVG/main" r:embed="rId4"/>
+              </a:ext>
+            </a:extLst>
+          </a:blip>
+          <a:stretch>
+            <a:fillRect/>
+          </a:stretch>
+        </p:blipFill>
+        <p:spPr>
+          <a:xfrm>
+            <a:off x="2122220" y="4141896"/>
+            <a:ext cx="2570359" cy="2570359"/>
+          </a:xfrm>
+          <a:prstGeom prst="rect">
+            <a:avLst/>
+          </a:prstGeom>
+        </p:spPr>
+      </p:pic>
+    </p:spTree>
+    <p:extLst>
+      <p:ext uri="{BB962C8B-B14F-4D97-AF65-F5344CB8AC3E}">
+        <p14:creationId xmlns:p14="http://schemas.microsoft.com/office/powerpoint/2010/main" val="4938019"/>
+      </p:ext>
+    </p:extLst>
+  </p:cSld>
+  <p:clrMapOvr>
+    <a:masterClrMapping/>
+  </p:clrMapOvr>
+</p:sld>
+</file>
+
+<file path=ppt/slides/slide18.xml><?xml version="1.0" encoding="utf-8"?>
+<p:sld xmlns:a="http://schemas.openxmlformats.org/drawingml/2006/main" xmlns:r="http://schemas.openxmlformats.org/officeDocument/2006/relationships" xmlns:p="http://schemas.openxmlformats.org/presentationml/2006/main">
+  <p:cSld>
+    <p:spTree>
+      <p:nvGrpSpPr>
+        <p:cNvPr id="1" name=""/>
+        <p:cNvGrpSpPr/>
+        <p:nvPr/>
+      </p:nvGrpSpPr>
+      <p:grpSpPr>
+        <a:xfrm>
+          <a:off x="0" y="0"/>
+          <a:ext cx="0" cy="0"/>
+          <a:chOff x="0" y="0"/>
+          <a:chExt cx="0" cy="0"/>
+        </a:xfrm>
+      </p:grpSpPr>
+      <p:sp>
+        <p:nvSpPr>
+          <p:cNvPr id="2" name="Title 1">
+            <a:extLst>
+              <a:ext uri="{FF2B5EF4-FFF2-40B4-BE49-F238E27FC236}">
+                <a16:creationId xmlns:a16="http://schemas.microsoft.com/office/drawing/2014/main" id="{E8B8F26E-9345-4747-9094-972E38700A17}"/>
+              </a:ext>
+            </a:extLst>
+          </p:cNvPr>
+          <p:cNvSpPr>
+            <a:spLocks noGrp="1"/>
+          </p:cNvSpPr>
+          <p:nvPr>
+            <p:ph type="ctrTitle"/>
+          </p:nvPr>
+        </p:nvSpPr>
+        <p:spPr>
+          <a:xfrm rot="10800000">
+            <a:off x="1" y="0"/>
+            <a:ext cx="12191999" cy="2010441"/>
+          </a:xfrm>
+          <a:solidFill>
+            <a:srgbClr val="3B3B3B"/>
+          </a:solidFill>
+        </p:spPr>
+        <p:txBody>
+          <a:bodyPr vert="vert270" anchor="t" anchorCtr="0"/>
+          <a:lstStyle/>
+          <a:p>
+            <a:r>
+              <a:rPr lang="en-US" b="1" dirty="0">
+                <a:solidFill>
+                  <a:srgbClr val="3B3B3B"/>
+                </a:solidFill>
+              </a:rPr>
+              <a:t>.</a:t>
+            </a:r>
+          </a:p>
+        </p:txBody>
+      </p:sp>
+      <p:pic>
+        <p:nvPicPr>
+          <p:cNvPr id="4" name="Picture 3">
+            <a:extLst>
+              <a:ext uri="{FF2B5EF4-FFF2-40B4-BE49-F238E27FC236}">
+                <a16:creationId xmlns:a16="http://schemas.microsoft.com/office/drawing/2014/main" id="{7A465064-0714-5743-882B-8875105A7023}"/>
+              </a:ext>
+            </a:extLst>
+          </p:cNvPr>
+          <p:cNvPicPr>
+            <a:picLocks noChangeAspect="1"/>
+          </p:cNvPicPr>
+          <p:nvPr/>
+        </p:nvPicPr>
+        <p:blipFill>
+          <a:blip r:embed="rId2" cstate="print">
+            <a:extLst>
+              <a:ext uri="{28A0092B-C50C-407E-A947-70E740481C1C}">
+                <a14:useLocalDpi xmlns:a14="http://schemas.microsoft.com/office/drawing/2010/main" val="0"/>
+              </a:ext>
+            </a:extLst>
+          </a:blip>
+          <a:stretch>
+            <a:fillRect/>
+          </a:stretch>
+        </p:blipFill>
+        <p:spPr>
+          <a:xfrm>
+            <a:off x="0" y="5863771"/>
+            <a:ext cx="1654627" cy="994232"/>
+          </a:xfrm>
+          <a:prstGeom prst="rect">
+            <a:avLst/>
+          </a:prstGeom>
+        </p:spPr>
+      </p:pic>
+      <p:sp>
+        <p:nvSpPr>
+          <p:cNvPr id="5" name="TextBox 4">
+            <a:extLst>
+              <a:ext uri="{FF2B5EF4-FFF2-40B4-BE49-F238E27FC236}">
+                <a16:creationId xmlns:a16="http://schemas.microsoft.com/office/drawing/2014/main" id="{FCE4806D-1A6D-0446-CBE8-F13373750803}"/>
+              </a:ext>
+            </a:extLst>
+          </p:cNvPr>
+          <p:cNvSpPr txBox="1"/>
+          <p:nvPr/>
+        </p:nvSpPr>
+        <p:spPr>
+          <a:xfrm>
+            <a:off x="1093694" y="591671"/>
+            <a:ext cx="8668871" cy="1015663"/>
+          </a:xfrm>
+          <a:prstGeom prst="rect">
+            <a:avLst/>
+          </a:prstGeom>
+          <a:noFill/>
+        </p:spPr>
+        <p:txBody>
+          <a:bodyPr wrap="square" rtlCol="0">
+            <a:spAutoFit/>
+          </a:bodyPr>
+          <a:lstStyle/>
+          <a:p>
+            <a:r>
+              <a:rPr lang="en-US" sz="6000" dirty="0">
+                <a:solidFill>
+                  <a:srgbClr val="FF6600"/>
+                </a:solidFill>
+              </a:rPr>
               <a:t>Conclusion</a:t>
             </a:r>
           </a:p>
@@ -4787,7 +5075,7 @@
 </p:sld>
 </file>
 
-<file path=ppt/slides/slide18.xml><?xml version="1.0" encoding="utf-8"?>
+<file path=ppt/slides/slide19.xml><?xml version="1.0" encoding="utf-8"?>
 <p:sld xmlns:a="http://schemas.openxmlformats.org/drawingml/2006/main" xmlns:r="http://schemas.openxmlformats.org/officeDocument/2006/relationships" xmlns:p="http://schemas.openxmlformats.org/presentationml/2006/main">
   <p:cSld>
     <p:spTree>
@@ -5312,7 +5600,7 @@
                   <a:srgbClr val="FF6600"/>
                 </a:solidFill>
               </a:rPr>
-              <a:t>Background/Information</a:t>
+              <a:t>Team Information</a:t>
             </a:r>
           </a:p>
         </p:txBody>
@@ -5332,7 +5620,7 @@
         <p:spPr>
           <a:xfrm>
             <a:off x="475129" y="2366682"/>
-            <a:ext cx="11286565" cy="2585323"/>
+            <a:ext cx="11286565" cy="369332"/>
           </a:xfrm>
           <a:prstGeom prst="rect">
             <a:avLst/>
@@ -5345,37 +5633,1977 @@
           </a:bodyPr>
           <a:lstStyle/>
           <a:p>
-            <a:r>
-              <a:rPr lang="en-US" dirty="0"/>
-              <a:t>In medical terms, the persistency of a drug refers to the extent while the patient acts accordingly to the effects of a drug. Patients lose persistency when the drug no longer has an affect on them.</a:t>
-            </a:r>
-          </a:p>
-          <a:p>
             <a:endParaRPr lang="en-US" dirty="0"/>
           </a:p>
-          <a:p>
-            <a:r>
-              <a:rPr lang="en-US" dirty="0"/>
-              <a:t>ABC Pharma is a pharmaceutical company who aims to automate identification of the persistency of a drug.</a:t>
-            </a:r>
-          </a:p>
-          <a:p>
+        </p:txBody>
+      </p:sp>
+      <p:graphicFrame>
+        <p:nvGraphicFramePr>
+          <p:cNvPr id="10" name="Table 9">
+            <a:extLst>
+              <a:ext uri="{FF2B5EF4-FFF2-40B4-BE49-F238E27FC236}">
+                <a16:creationId xmlns:a16="http://schemas.microsoft.com/office/drawing/2014/main" id="{AA6CC096-9247-C851-69CF-976D1A9E11AD}"/>
+              </a:ext>
+            </a:extLst>
+          </p:cNvPr>
+          <p:cNvGraphicFramePr>
+            <a:graphicFrameLocks noGrp="1"/>
+          </p:cNvGraphicFramePr>
+          <p:nvPr>
+            <p:extLst>
+              <p:ext uri="{D42A27DB-BD31-4B8C-83A1-F6EECF244321}">
+                <p14:modId xmlns:p14="http://schemas.microsoft.com/office/powerpoint/2010/main" val="2277460573"/>
+              </p:ext>
+            </p:extLst>
+          </p:nvPr>
+        </p:nvGraphicFramePr>
+        <p:xfrm>
+          <a:off x="2379592" y="2366682"/>
+          <a:ext cx="7432815" cy="3579920"/>
+        </p:xfrm>
+        <a:graphic>
+          <a:graphicData uri="http://schemas.openxmlformats.org/drawingml/2006/table">
+            <a:tbl>
+              <a:tblPr/>
+              <a:tblGrid>
+                <a:gridCol w="1497335">
+                  <a:extLst>
+                    <a:ext uri="{9D8B030D-6E8A-4147-A177-3AD203B41FA5}">
+                      <a16:colId xmlns:a16="http://schemas.microsoft.com/office/drawing/2014/main" val="3881822529"/>
+                    </a:ext>
+                  </a:extLst>
+                </a:gridCol>
+                <a:gridCol w="2359111">
+                  <a:extLst>
+                    <a:ext uri="{9D8B030D-6E8A-4147-A177-3AD203B41FA5}">
+                      <a16:colId xmlns:a16="http://schemas.microsoft.com/office/drawing/2014/main" val="1120352371"/>
+                    </a:ext>
+                  </a:extLst>
+                </a:gridCol>
+                <a:gridCol w="1163397">
+                  <a:extLst>
+                    <a:ext uri="{9D8B030D-6E8A-4147-A177-3AD203B41FA5}">
+                      <a16:colId xmlns:a16="http://schemas.microsoft.com/office/drawing/2014/main" val="3706518533"/>
+                    </a:ext>
+                  </a:extLst>
+                </a:gridCol>
+                <a:gridCol w="1044903">
+                  <a:extLst>
+                    <a:ext uri="{9D8B030D-6E8A-4147-A177-3AD203B41FA5}">
+                      <a16:colId xmlns:a16="http://schemas.microsoft.com/office/drawing/2014/main" val="96932700"/>
+                    </a:ext>
+                  </a:extLst>
+                </a:gridCol>
+                <a:gridCol w="1368069">
+                  <a:extLst>
+                    <a:ext uri="{9D8B030D-6E8A-4147-A177-3AD203B41FA5}">
+                      <a16:colId xmlns:a16="http://schemas.microsoft.com/office/drawing/2014/main" val="4237300849"/>
+                    </a:ext>
+                  </a:extLst>
+                </a:gridCol>
+              </a:tblGrid>
+              <a:tr h="653513">
+                <a:tc>
+                  <a:txBody>
+                    <a:bodyPr/>
+                    <a:lstStyle/>
+                    <a:p>
+                      <a:pPr rtl="0" fontAlgn="t">
+                        <a:spcBef>
+                          <a:spcPts val="0"/>
+                        </a:spcBef>
+                        <a:spcAft>
+                          <a:spcPts val="0"/>
+                        </a:spcAft>
+                      </a:pPr>
+                      <a:r>
+                        <a:rPr lang="en-US" sz="1600" b="1" i="0" u="none" strike="noStrike">
+                          <a:solidFill>
+                            <a:srgbClr val="000000"/>
+                          </a:solidFill>
+                          <a:effectLst/>
+                          <a:latin typeface="Arial" panose="020B0604020202020204" pitchFamily="34" charset="0"/>
+                        </a:rPr>
+                        <a:t>Name</a:t>
+                      </a:r>
+                      <a:endParaRPr lang="en-US" sz="2500">
+                        <a:effectLst/>
+                      </a:endParaRPr>
+                    </a:p>
+                  </a:txBody>
+                  <a:tcPr marL="89768" marR="89768" marT="89768" marB="89768">
+                    <a:lnL w="12700" cap="flat" cmpd="sng" algn="ctr">
+                      <a:solidFill>
+                        <a:srgbClr val="000000"/>
+                      </a:solidFill>
+                      <a:prstDash val="solid"/>
+                      <a:round/>
+                      <a:headEnd type="none" w="med" len="med"/>
+                      <a:tailEnd type="none" w="med" len="med"/>
+                    </a:lnL>
+                    <a:lnR w="12700" cap="flat" cmpd="sng" algn="ctr">
+                      <a:solidFill>
+                        <a:srgbClr val="000000"/>
+                      </a:solidFill>
+                      <a:prstDash val="solid"/>
+                      <a:round/>
+                      <a:headEnd type="none" w="med" len="med"/>
+                      <a:tailEnd type="none" w="med" len="med"/>
+                    </a:lnR>
+                    <a:lnT w="12700" cap="flat" cmpd="sng" algn="ctr">
+                      <a:solidFill>
+                        <a:srgbClr val="000000"/>
+                      </a:solidFill>
+                      <a:prstDash val="solid"/>
+                      <a:round/>
+                      <a:headEnd type="none" w="med" len="med"/>
+                      <a:tailEnd type="none" w="med" len="med"/>
+                    </a:lnT>
+                    <a:lnB w="12700" cap="flat" cmpd="sng" algn="ctr">
+                      <a:solidFill>
+                        <a:srgbClr val="000000"/>
+                      </a:solidFill>
+                      <a:prstDash val="solid"/>
+                      <a:round/>
+                      <a:headEnd type="none" w="med" len="med"/>
+                      <a:tailEnd type="none" w="med" len="med"/>
+                    </a:lnB>
+                  </a:tcPr>
+                </a:tc>
+                <a:tc>
+                  <a:txBody>
+                    <a:bodyPr/>
+                    <a:lstStyle/>
+                    <a:p>
+                      <a:pPr rtl="0" fontAlgn="t">
+                        <a:spcBef>
+                          <a:spcPts val="0"/>
+                        </a:spcBef>
+                        <a:spcAft>
+                          <a:spcPts val="0"/>
+                        </a:spcAft>
+                      </a:pPr>
+                      <a:r>
+                        <a:rPr lang="en-US" sz="1600" b="1" i="0" u="none" strike="noStrike">
+                          <a:solidFill>
+                            <a:srgbClr val="000000"/>
+                          </a:solidFill>
+                          <a:effectLst/>
+                          <a:latin typeface="Arial" panose="020B0604020202020204" pitchFamily="34" charset="0"/>
+                        </a:rPr>
+                        <a:t>Email</a:t>
+                      </a:r>
+                      <a:endParaRPr lang="en-US" sz="2500">
+                        <a:effectLst/>
+                      </a:endParaRPr>
+                    </a:p>
+                  </a:txBody>
+                  <a:tcPr marL="89768" marR="89768" marT="89768" marB="89768">
+                    <a:lnL w="12700" cap="flat" cmpd="sng" algn="ctr">
+                      <a:solidFill>
+                        <a:srgbClr val="000000"/>
+                      </a:solidFill>
+                      <a:prstDash val="solid"/>
+                      <a:round/>
+                      <a:headEnd type="none" w="med" len="med"/>
+                      <a:tailEnd type="none" w="med" len="med"/>
+                    </a:lnL>
+                    <a:lnR w="12700" cap="flat" cmpd="sng" algn="ctr">
+                      <a:solidFill>
+                        <a:srgbClr val="000000"/>
+                      </a:solidFill>
+                      <a:prstDash val="solid"/>
+                      <a:round/>
+                      <a:headEnd type="none" w="med" len="med"/>
+                      <a:tailEnd type="none" w="med" len="med"/>
+                    </a:lnR>
+                    <a:lnT w="12700" cap="flat" cmpd="sng" algn="ctr">
+                      <a:solidFill>
+                        <a:srgbClr val="000000"/>
+                      </a:solidFill>
+                      <a:prstDash val="solid"/>
+                      <a:round/>
+                      <a:headEnd type="none" w="med" len="med"/>
+                      <a:tailEnd type="none" w="med" len="med"/>
+                    </a:lnT>
+                    <a:lnB w="12700" cap="flat" cmpd="sng" algn="ctr">
+                      <a:solidFill>
+                        <a:srgbClr val="000000"/>
+                      </a:solidFill>
+                      <a:prstDash val="solid"/>
+                      <a:round/>
+                      <a:headEnd type="none" w="med" len="med"/>
+                      <a:tailEnd type="none" w="med" len="med"/>
+                    </a:lnB>
+                  </a:tcPr>
+                </a:tc>
+                <a:tc>
+                  <a:txBody>
+                    <a:bodyPr/>
+                    <a:lstStyle/>
+                    <a:p>
+                      <a:pPr rtl="0" fontAlgn="t">
+                        <a:spcBef>
+                          <a:spcPts val="0"/>
+                        </a:spcBef>
+                        <a:spcAft>
+                          <a:spcPts val="0"/>
+                        </a:spcAft>
+                      </a:pPr>
+                      <a:r>
+                        <a:rPr lang="en-US" sz="1600" b="1" i="0" u="none" strike="noStrike">
+                          <a:solidFill>
+                            <a:srgbClr val="000000"/>
+                          </a:solidFill>
+                          <a:effectLst/>
+                          <a:latin typeface="Arial" panose="020B0604020202020204" pitchFamily="34" charset="0"/>
+                        </a:rPr>
+                        <a:t>Company</a:t>
+                      </a:r>
+                      <a:endParaRPr lang="en-US" sz="2500">
+                        <a:effectLst/>
+                      </a:endParaRPr>
+                    </a:p>
+                  </a:txBody>
+                  <a:tcPr marL="89768" marR="89768" marT="89768" marB="89768">
+                    <a:lnL w="12700" cap="flat" cmpd="sng" algn="ctr">
+                      <a:solidFill>
+                        <a:srgbClr val="000000"/>
+                      </a:solidFill>
+                      <a:prstDash val="solid"/>
+                      <a:round/>
+                      <a:headEnd type="none" w="med" len="med"/>
+                      <a:tailEnd type="none" w="med" len="med"/>
+                    </a:lnL>
+                    <a:lnR w="12700" cap="flat" cmpd="sng" algn="ctr">
+                      <a:solidFill>
+                        <a:srgbClr val="000000"/>
+                      </a:solidFill>
+                      <a:prstDash val="solid"/>
+                      <a:round/>
+                      <a:headEnd type="none" w="med" len="med"/>
+                      <a:tailEnd type="none" w="med" len="med"/>
+                    </a:lnR>
+                    <a:lnT w="12700" cap="flat" cmpd="sng" algn="ctr">
+                      <a:solidFill>
+                        <a:srgbClr val="000000"/>
+                      </a:solidFill>
+                      <a:prstDash val="solid"/>
+                      <a:round/>
+                      <a:headEnd type="none" w="med" len="med"/>
+                      <a:tailEnd type="none" w="med" len="med"/>
+                    </a:lnT>
+                    <a:lnB w="12700" cap="flat" cmpd="sng" algn="ctr">
+                      <a:solidFill>
+                        <a:srgbClr val="000000"/>
+                      </a:solidFill>
+                      <a:prstDash val="solid"/>
+                      <a:round/>
+                      <a:headEnd type="none" w="med" len="med"/>
+                      <a:tailEnd type="none" w="med" len="med"/>
+                    </a:lnB>
+                  </a:tcPr>
+                </a:tc>
+                <a:tc>
+                  <a:txBody>
+                    <a:bodyPr/>
+                    <a:lstStyle/>
+                    <a:p>
+                      <a:pPr rtl="0" fontAlgn="t">
+                        <a:spcBef>
+                          <a:spcPts val="0"/>
+                        </a:spcBef>
+                        <a:spcAft>
+                          <a:spcPts val="0"/>
+                        </a:spcAft>
+                      </a:pPr>
+                      <a:r>
+                        <a:rPr lang="en-US" sz="1600" b="1" i="0" u="none" strike="noStrike">
+                          <a:solidFill>
+                            <a:srgbClr val="000000"/>
+                          </a:solidFill>
+                          <a:effectLst/>
+                          <a:latin typeface="Arial" panose="020B0604020202020204" pitchFamily="34" charset="0"/>
+                        </a:rPr>
+                        <a:t>Country</a:t>
+                      </a:r>
+                      <a:endParaRPr lang="en-US" sz="2500">
+                        <a:effectLst/>
+                      </a:endParaRPr>
+                    </a:p>
+                  </a:txBody>
+                  <a:tcPr marL="89768" marR="89768" marT="89768" marB="89768">
+                    <a:lnL w="12700" cap="flat" cmpd="sng" algn="ctr">
+                      <a:solidFill>
+                        <a:srgbClr val="000000"/>
+                      </a:solidFill>
+                      <a:prstDash val="solid"/>
+                      <a:round/>
+                      <a:headEnd type="none" w="med" len="med"/>
+                      <a:tailEnd type="none" w="med" len="med"/>
+                    </a:lnL>
+                    <a:lnR w="12700" cap="flat" cmpd="sng" algn="ctr">
+                      <a:solidFill>
+                        <a:srgbClr val="000000"/>
+                      </a:solidFill>
+                      <a:prstDash val="solid"/>
+                      <a:round/>
+                      <a:headEnd type="none" w="med" len="med"/>
+                      <a:tailEnd type="none" w="med" len="med"/>
+                    </a:lnR>
+                    <a:lnT w="12700" cap="flat" cmpd="sng" algn="ctr">
+                      <a:solidFill>
+                        <a:srgbClr val="000000"/>
+                      </a:solidFill>
+                      <a:prstDash val="solid"/>
+                      <a:round/>
+                      <a:headEnd type="none" w="med" len="med"/>
+                      <a:tailEnd type="none" w="med" len="med"/>
+                    </a:lnT>
+                    <a:lnB w="12700" cap="flat" cmpd="sng" algn="ctr">
+                      <a:solidFill>
+                        <a:srgbClr val="000000"/>
+                      </a:solidFill>
+                      <a:prstDash val="solid"/>
+                      <a:round/>
+                      <a:headEnd type="none" w="med" len="med"/>
+                      <a:tailEnd type="none" w="med" len="med"/>
+                    </a:lnB>
+                  </a:tcPr>
+                </a:tc>
+                <a:tc>
+                  <a:txBody>
+                    <a:bodyPr/>
+                    <a:lstStyle/>
+                    <a:p>
+                      <a:pPr rtl="0" fontAlgn="t">
+                        <a:spcBef>
+                          <a:spcPts val="0"/>
+                        </a:spcBef>
+                        <a:spcAft>
+                          <a:spcPts val="0"/>
+                        </a:spcAft>
+                      </a:pPr>
+                      <a:r>
+                        <a:rPr lang="en-US" sz="1600" b="1" i="0" u="none" strike="noStrike">
+                          <a:solidFill>
+                            <a:srgbClr val="000000"/>
+                          </a:solidFill>
+                          <a:effectLst/>
+                          <a:latin typeface="Arial" panose="020B0604020202020204" pitchFamily="34" charset="0"/>
+                        </a:rPr>
+                        <a:t>Specialization</a:t>
+                      </a:r>
+                      <a:endParaRPr lang="en-US" sz="2500">
+                        <a:effectLst/>
+                      </a:endParaRPr>
+                    </a:p>
+                  </a:txBody>
+                  <a:tcPr marL="89768" marR="89768" marT="89768" marB="89768">
+                    <a:lnL w="12700" cap="flat" cmpd="sng" algn="ctr">
+                      <a:solidFill>
+                        <a:srgbClr val="000000"/>
+                      </a:solidFill>
+                      <a:prstDash val="solid"/>
+                      <a:round/>
+                      <a:headEnd type="none" w="med" len="med"/>
+                      <a:tailEnd type="none" w="med" len="med"/>
+                    </a:lnL>
+                    <a:lnR w="12700" cap="flat" cmpd="sng" algn="ctr">
+                      <a:solidFill>
+                        <a:srgbClr val="000000"/>
+                      </a:solidFill>
+                      <a:prstDash val="solid"/>
+                      <a:round/>
+                      <a:headEnd type="none" w="med" len="med"/>
+                      <a:tailEnd type="none" w="med" len="med"/>
+                    </a:lnR>
+                    <a:lnT w="12700" cap="flat" cmpd="sng" algn="ctr">
+                      <a:solidFill>
+                        <a:srgbClr val="000000"/>
+                      </a:solidFill>
+                      <a:prstDash val="solid"/>
+                      <a:round/>
+                      <a:headEnd type="none" w="med" len="med"/>
+                      <a:tailEnd type="none" w="med" len="med"/>
+                    </a:lnT>
+                    <a:lnB w="12700" cap="flat" cmpd="sng" algn="ctr">
+                      <a:solidFill>
+                        <a:srgbClr val="000000"/>
+                      </a:solidFill>
+                      <a:prstDash val="solid"/>
+                      <a:round/>
+                      <a:headEnd type="none" w="med" len="med"/>
+                      <a:tailEnd type="none" w="med" len="med"/>
+                    </a:lnB>
+                  </a:tcPr>
+                </a:tc>
+                <a:extLst>
+                  <a:ext uri="{0D108BD9-81ED-4DB2-BD59-A6C34878D82A}">
+                    <a16:rowId xmlns:a16="http://schemas.microsoft.com/office/drawing/2014/main" val="2103731388"/>
+                  </a:ext>
+                </a:extLst>
+              </a:tr>
+              <a:tr h="890502">
+                <a:tc>
+                  <a:txBody>
+                    <a:bodyPr/>
+                    <a:lstStyle/>
+                    <a:p>
+                      <a:pPr rtl="0" fontAlgn="t">
+                        <a:spcBef>
+                          <a:spcPts val="0"/>
+                        </a:spcBef>
+                        <a:spcAft>
+                          <a:spcPts val="0"/>
+                        </a:spcAft>
+                      </a:pPr>
+                      <a:r>
+                        <a:rPr lang="en-US" sz="1600" b="0" i="0" u="none" strike="noStrike">
+                          <a:solidFill>
+                            <a:srgbClr val="000000"/>
+                          </a:solidFill>
+                          <a:effectLst/>
+                          <a:latin typeface="Arial" panose="020B0604020202020204" pitchFamily="34" charset="0"/>
+                        </a:rPr>
+                        <a:t>Anshi Mathur</a:t>
+                      </a:r>
+                      <a:endParaRPr lang="en-US" sz="2500">
+                        <a:effectLst/>
+                      </a:endParaRPr>
+                    </a:p>
+                  </a:txBody>
+                  <a:tcPr marL="89768" marR="89768" marT="89768" marB="89768">
+                    <a:lnL w="12700" cap="flat" cmpd="sng" algn="ctr">
+                      <a:solidFill>
+                        <a:srgbClr val="000000"/>
+                      </a:solidFill>
+                      <a:prstDash val="solid"/>
+                      <a:round/>
+                      <a:headEnd type="none" w="med" len="med"/>
+                      <a:tailEnd type="none" w="med" len="med"/>
+                    </a:lnL>
+                    <a:lnR w="12700" cap="flat" cmpd="sng" algn="ctr">
+                      <a:solidFill>
+                        <a:srgbClr val="000000"/>
+                      </a:solidFill>
+                      <a:prstDash val="solid"/>
+                      <a:round/>
+                      <a:headEnd type="none" w="med" len="med"/>
+                      <a:tailEnd type="none" w="med" len="med"/>
+                    </a:lnR>
+                    <a:lnT w="12700" cap="flat" cmpd="sng" algn="ctr">
+                      <a:solidFill>
+                        <a:srgbClr val="000000"/>
+                      </a:solidFill>
+                      <a:prstDash val="solid"/>
+                      <a:round/>
+                      <a:headEnd type="none" w="med" len="med"/>
+                      <a:tailEnd type="none" w="med" len="med"/>
+                    </a:lnT>
+                    <a:lnB w="12700" cap="flat" cmpd="sng" algn="ctr">
+                      <a:solidFill>
+                        <a:srgbClr val="000000"/>
+                      </a:solidFill>
+                      <a:prstDash val="solid"/>
+                      <a:round/>
+                      <a:headEnd type="none" w="med" len="med"/>
+                      <a:tailEnd type="none" w="med" len="med"/>
+                    </a:lnB>
+                  </a:tcPr>
+                </a:tc>
+                <a:tc>
+                  <a:txBody>
+                    <a:bodyPr/>
+                    <a:lstStyle/>
+                    <a:p>
+                      <a:pPr rtl="0" fontAlgn="t">
+                        <a:spcBef>
+                          <a:spcPts val="0"/>
+                        </a:spcBef>
+                        <a:spcAft>
+                          <a:spcPts val="0"/>
+                        </a:spcAft>
+                      </a:pPr>
+                      <a:r>
+                        <a:rPr lang="en-US" sz="1600" b="0" i="0" u="sng" strike="noStrike">
+                          <a:solidFill>
+                            <a:srgbClr val="1155CC"/>
+                          </a:solidFill>
+                          <a:effectLst/>
+                          <a:latin typeface="Arial" panose="020B0604020202020204" pitchFamily="34" charset="0"/>
+                          <a:hlinkClick r:id="rId3"/>
+                        </a:rPr>
+                        <a:t>anshimathur0325@gmail.com</a:t>
+                      </a:r>
+                      <a:endParaRPr lang="en-US" sz="2500">
+                        <a:effectLst/>
+                      </a:endParaRPr>
+                    </a:p>
+                  </a:txBody>
+                  <a:tcPr marL="89768" marR="89768" marT="89768" marB="89768">
+                    <a:lnL w="12700" cap="flat" cmpd="sng" algn="ctr">
+                      <a:solidFill>
+                        <a:srgbClr val="000000"/>
+                      </a:solidFill>
+                      <a:prstDash val="solid"/>
+                      <a:round/>
+                      <a:headEnd type="none" w="med" len="med"/>
+                      <a:tailEnd type="none" w="med" len="med"/>
+                    </a:lnL>
+                    <a:lnR w="12700" cap="flat" cmpd="sng" algn="ctr">
+                      <a:solidFill>
+                        <a:srgbClr val="000000"/>
+                      </a:solidFill>
+                      <a:prstDash val="solid"/>
+                      <a:round/>
+                      <a:headEnd type="none" w="med" len="med"/>
+                      <a:tailEnd type="none" w="med" len="med"/>
+                    </a:lnR>
+                    <a:lnT w="12700" cap="flat" cmpd="sng" algn="ctr">
+                      <a:solidFill>
+                        <a:srgbClr val="000000"/>
+                      </a:solidFill>
+                      <a:prstDash val="solid"/>
+                      <a:round/>
+                      <a:headEnd type="none" w="med" len="med"/>
+                      <a:tailEnd type="none" w="med" len="med"/>
+                    </a:lnT>
+                    <a:lnB w="12700" cap="flat" cmpd="sng" algn="ctr">
+                      <a:solidFill>
+                        <a:srgbClr val="000000"/>
+                      </a:solidFill>
+                      <a:prstDash val="solid"/>
+                      <a:round/>
+                      <a:headEnd type="none" w="med" len="med"/>
+                      <a:tailEnd type="none" w="med" len="med"/>
+                    </a:lnB>
+                  </a:tcPr>
+                </a:tc>
+                <a:tc>
+                  <a:txBody>
+                    <a:bodyPr/>
+                    <a:lstStyle/>
+                    <a:p>
+                      <a:pPr rtl="0" fontAlgn="t">
+                        <a:spcBef>
+                          <a:spcPts val="0"/>
+                        </a:spcBef>
+                        <a:spcAft>
+                          <a:spcPts val="0"/>
+                        </a:spcAft>
+                      </a:pPr>
+                      <a:r>
+                        <a:rPr lang="en-US" sz="1600" b="0" i="0" u="none" strike="noStrike" dirty="0">
+                          <a:solidFill>
+                            <a:srgbClr val="000000"/>
+                          </a:solidFill>
+                          <a:effectLst/>
+                          <a:latin typeface="Arial" panose="020B0604020202020204" pitchFamily="34" charset="0"/>
+                        </a:rPr>
+                        <a:t>Data Glacier</a:t>
+                      </a:r>
+                      <a:endParaRPr lang="en-US" sz="2500" dirty="0">
+                        <a:effectLst/>
+                      </a:endParaRPr>
+                    </a:p>
+                  </a:txBody>
+                  <a:tcPr marL="89768" marR="89768" marT="89768" marB="89768">
+                    <a:lnL w="12700" cap="flat" cmpd="sng" algn="ctr">
+                      <a:solidFill>
+                        <a:srgbClr val="000000"/>
+                      </a:solidFill>
+                      <a:prstDash val="solid"/>
+                      <a:round/>
+                      <a:headEnd type="none" w="med" len="med"/>
+                      <a:tailEnd type="none" w="med" len="med"/>
+                    </a:lnL>
+                    <a:lnR w="12700" cap="flat" cmpd="sng" algn="ctr">
+                      <a:solidFill>
+                        <a:srgbClr val="000000"/>
+                      </a:solidFill>
+                      <a:prstDash val="solid"/>
+                      <a:round/>
+                      <a:headEnd type="none" w="med" len="med"/>
+                      <a:tailEnd type="none" w="med" len="med"/>
+                    </a:lnR>
+                    <a:lnT w="12700" cap="flat" cmpd="sng" algn="ctr">
+                      <a:solidFill>
+                        <a:srgbClr val="000000"/>
+                      </a:solidFill>
+                      <a:prstDash val="solid"/>
+                      <a:round/>
+                      <a:headEnd type="none" w="med" len="med"/>
+                      <a:tailEnd type="none" w="med" len="med"/>
+                    </a:lnT>
+                    <a:lnB w="12700" cap="flat" cmpd="sng" algn="ctr">
+                      <a:solidFill>
+                        <a:srgbClr val="000000"/>
+                      </a:solidFill>
+                      <a:prstDash val="solid"/>
+                      <a:round/>
+                      <a:headEnd type="none" w="med" len="med"/>
+                      <a:tailEnd type="none" w="med" len="med"/>
+                    </a:lnB>
+                  </a:tcPr>
+                </a:tc>
+                <a:tc>
+                  <a:txBody>
+                    <a:bodyPr/>
+                    <a:lstStyle/>
+                    <a:p>
+                      <a:pPr rtl="0" fontAlgn="t">
+                        <a:spcBef>
+                          <a:spcPts val="0"/>
+                        </a:spcBef>
+                        <a:spcAft>
+                          <a:spcPts val="0"/>
+                        </a:spcAft>
+                      </a:pPr>
+                      <a:r>
+                        <a:rPr lang="en-US" sz="1600" b="0" i="0" u="none" strike="noStrike">
+                          <a:solidFill>
+                            <a:srgbClr val="000000"/>
+                          </a:solidFill>
+                          <a:effectLst/>
+                          <a:latin typeface="Arial" panose="020B0604020202020204" pitchFamily="34" charset="0"/>
+                        </a:rPr>
+                        <a:t>United States of America</a:t>
+                      </a:r>
+                      <a:endParaRPr lang="en-US" sz="2500">
+                        <a:effectLst/>
+                      </a:endParaRPr>
+                    </a:p>
+                  </a:txBody>
+                  <a:tcPr marL="89768" marR="89768" marT="89768" marB="89768">
+                    <a:lnL w="12700" cap="flat" cmpd="sng" algn="ctr">
+                      <a:solidFill>
+                        <a:srgbClr val="000000"/>
+                      </a:solidFill>
+                      <a:prstDash val="solid"/>
+                      <a:round/>
+                      <a:headEnd type="none" w="med" len="med"/>
+                      <a:tailEnd type="none" w="med" len="med"/>
+                    </a:lnL>
+                    <a:lnR w="12700" cap="flat" cmpd="sng" algn="ctr">
+                      <a:solidFill>
+                        <a:srgbClr val="000000"/>
+                      </a:solidFill>
+                      <a:prstDash val="solid"/>
+                      <a:round/>
+                      <a:headEnd type="none" w="med" len="med"/>
+                      <a:tailEnd type="none" w="med" len="med"/>
+                    </a:lnR>
+                    <a:lnT w="12700" cap="flat" cmpd="sng" algn="ctr">
+                      <a:solidFill>
+                        <a:srgbClr val="000000"/>
+                      </a:solidFill>
+                      <a:prstDash val="solid"/>
+                      <a:round/>
+                      <a:headEnd type="none" w="med" len="med"/>
+                      <a:tailEnd type="none" w="med" len="med"/>
+                    </a:lnT>
+                    <a:lnB w="12700" cap="flat" cmpd="sng" algn="ctr">
+                      <a:solidFill>
+                        <a:srgbClr val="000000"/>
+                      </a:solidFill>
+                      <a:prstDash val="solid"/>
+                      <a:round/>
+                      <a:headEnd type="none" w="med" len="med"/>
+                      <a:tailEnd type="none" w="med" len="med"/>
+                    </a:lnB>
+                  </a:tcPr>
+                </a:tc>
+                <a:tc>
+                  <a:txBody>
+                    <a:bodyPr/>
+                    <a:lstStyle/>
+                    <a:p>
+                      <a:pPr rtl="0" fontAlgn="t">
+                        <a:spcBef>
+                          <a:spcPts val="0"/>
+                        </a:spcBef>
+                        <a:spcAft>
+                          <a:spcPts val="0"/>
+                        </a:spcAft>
+                      </a:pPr>
+                      <a:r>
+                        <a:rPr lang="en-US" sz="1600" b="0" i="0" u="none" strike="noStrike" dirty="0">
+                          <a:solidFill>
+                            <a:srgbClr val="000000"/>
+                          </a:solidFill>
+                          <a:effectLst/>
+                          <a:latin typeface="Arial" panose="020B0604020202020204" pitchFamily="34" charset="0"/>
+                        </a:rPr>
+                        <a:t>Data Science</a:t>
+                      </a:r>
+                      <a:endParaRPr lang="en-US" sz="2500" dirty="0">
+                        <a:effectLst/>
+                      </a:endParaRPr>
+                    </a:p>
+                  </a:txBody>
+                  <a:tcPr marL="89768" marR="89768" marT="89768" marB="89768">
+                    <a:lnL w="12700" cap="flat" cmpd="sng" algn="ctr">
+                      <a:solidFill>
+                        <a:srgbClr val="000000"/>
+                      </a:solidFill>
+                      <a:prstDash val="solid"/>
+                      <a:round/>
+                      <a:headEnd type="none" w="med" len="med"/>
+                      <a:tailEnd type="none" w="med" len="med"/>
+                    </a:lnL>
+                    <a:lnR w="12700" cap="flat" cmpd="sng" algn="ctr">
+                      <a:solidFill>
+                        <a:srgbClr val="000000"/>
+                      </a:solidFill>
+                      <a:prstDash val="solid"/>
+                      <a:round/>
+                      <a:headEnd type="none" w="med" len="med"/>
+                      <a:tailEnd type="none" w="med" len="med"/>
+                    </a:lnR>
+                    <a:lnT w="12700" cap="flat" cmpd="sng" algn="ctr">
+                      <a:solidFill>
+                        <a:srgbClr val="000000"/>
+                      </a:solidFill>
+                      <a:prstDash val="solid"/>
+                      <a:round/>
+                      <a:headEnd type="none" w="med" len="med"/>
+                      <a:tailEnd type="none" w="med" len="med"/>
+                    </a:lnT>
+                    <a:lnB w="12700" cap="flat" cmpd="sng" algn="ctr">
+                      <a:solidFill>
+                        <a:srgbClr val="000000"/>
+                      </a:solidFill>
+                      <a:prstDash val="solid"/>
+                      <a:round/>
+                      <a:headEnd type="none" w="med" len="med"/>
+                      <a:tailEnd type="none" w="med" len="med"/>
+                    </a:lnB>
+                  </a:tcPr>
+                </a:tc>
+                <a:extLst>
+                  <a:ext uri="{0D108BD9-81ED-4DB2-BD59-A6C34878D82A}">
+                    <a16:rowId xmlns:a16="http://schemas.microsoft.com/office/drawing/2014/main" val="2353019428"/>
+                  </a:ext>
+                </a:extLst>
+              </a:tr>
+              <a:tr h="653513">
+                <a:tc>
+                  <a:txBody>
+                    <a:bodyPr/>
+                    <a:lstStyle/>
+                    <a:p>
+                      <a:pPr rtl="0" fontAlgn="t">
+                        <a:spcBef>
+                          <a:spcPts val="0"/>
+                        </a:spcBef>
+                        <a:spcAft>
+                          <a:spcPts val="0"/>
+                        </a:spcAft>
+                      </a:pPr>
+                      <a:r>
+                        <a:rPr lang="en-US" sz="1600" b="0" i="0" u="none" strike="noStrike">
+                          <a:solidFill>
+                            <a:srgbClr val="000000"/>
+                          </a:solidFill>
+                          <a:effectLst/>
+                          <a:latin typeface="Arial" panose="020B0604020202020204" pitchFamily="34" charset="0"/>
+                        </a:rPr>
+                        <a:t>Lujain Saad</a:t>
+                      </a:r>
+                      <a:endParaRPr lang="en-US" sz="2500">
+                        <a:effectLst/>
+                      </a:endParaRPr>
+                    </a:p>
+                  </a:txBody>
+                  <a:tcPr marL="89768" marR="89768" marT="89768" marB="89768">
+                    <a:lnL w="12700" cap="flat" cmpd="sng" algn="ctr">
+                      <a:solidFill>
+                        <a:srgbClr val="000000"/>
+                      </a:solidFill>
+                      <a:prstDash val="solid"/>
+                      <a:round/>
+                      <a:headEnd type="none" w="med" len="med"/>
+                      <a:tailEnd type="none" w="med" len="med"/>
+                    </a:lnL>
+                    <a:lnR w="12700" cap="flat" cmpd="sng" algn="ctr">
+                      <a:solidFill>
+                        <a:srgbClr val="000000"/>
+                      </a:solidFill>
+                      <a:prstDash val="solid"/>
+                      <a:round/>
+                      <a:headEnd type="none" w="med" len="med"/>
+                      <a:tailEnd type="none" w="med" len="med"/>
+                    </a:lnR>
+                    <a:lnT w="12700" cap="flat" cmpd="sng" algn="ctr">
+                      <a:solidFill>
+                        <a:srgbClr val="000000"/>
+                      </a:solidFill>
+                      <a:prstDash val="solid"/>
+                      <a:round/>
+                      <a:headEnd type="none" w="med" len="med"/>
+                      <a:tailEnd type="none" w="med" len="med"/>
+                    </a:lnT>
+                    <a:lnB w="12700" cap="flat" cmpd="sng" algn="ctr">
+                      <a:solidFill>
+                        <a:srgbClr val="000000"/>
+                      </a:solidFill>
+                      <a:prstDash val="solid"/>
+                      <a:round/>
+                      <a:headEnd type="none" w="med" len="med"/>
+                      <a:tailEnd type="none" w="med" len="med"/>
+                    </a:lnB>
+                  </a:tcPr>
+                </a:tc>
+                <a:tc>
+                  <a:txBody>
+                    <a:bodyPr/>
+                    <a:lstStyle/>
+                    <a:p>
+                      <a:pPr rtl="0" fontAlgn="t">
+                        <a:spcBef>
+                          <a:spcPts val="0"/>
+                        </a:spcBef>
+                        <a:spcAft>
+                          <a:spcPts val="0"/>
+                        </a:spcAft>
+                      </a:pPr>
+                      <a:r>
+                        <a:rPr lang="en-US" sz="1600" b="0" i="0" u="sng" strike="noStrike" dirty="0">
+                          <a:solidFill>
+                            <a:srgbClr val="1155CC"/>
+                          </a:solidFill>
+                          <a:effectLst/>
+                          <a:latin typeface="Arial" panose="020B0604020202020204" pitchFamily="34" charset="0"/>
+                          <a:hlinkClick r:id="rId4"/>
+                        </a:rPr>
+                        <a:t>lujainsaadcs@gmail.com</a:t>
+                      </a:r>
+                      <a:endParaRPr lang="en-US" sz="2500" dirty="0">
+                        <a:effectLst/>
+                      </a:endParaRPr>
+                    </a:p>
+                  </a:txBody>
+                  <a:tcPr marL="89768" marR="89768" marT="89768" marB="89768">
+                    <a:lnL w="12700" cap="flat" cmpd="sng" algn="ctr">
+                      <a:solidFill>
+                        <a:srgbClr val="000000"/>
+                      </a:solidFill>
+                      <a:prstDash val="solid"/>
+                      <a:round/>
+                      <a:headEnd type="none" w="med" len="med"/>
+                      <a:tailEnd type="none" w="med" len="med"/>
+                    </a:lnL>
+                    <a:lnR w="12700" cap="flat" cmpd="sng" algn="ctr">
+                      <a:solidFill>
+                        <a:srgbClr val="000000"/>
+                      </a:solidFill>
+                      <a:prstDash val="solid"/>
+                      <a:round/>
+                      <a:headEnd type="none" w="med" len="med"/>
+                      <a:tailEnd type="none" w="med" len="med"/>
+                    </a:lnR>
+                    <a:lnT w="12700" cap="flat" cmpd="sng" algn="ctr">
+                      <a:solidFill>
+                        <a:srgbClr val="000000"/>
+                      </a:solidFill>
+                      <a:prstDash val="solid"/>
+                      <a:round/>
+                      <a:headEnd type="none" w="med" len="med"/>
+                      <a:tailEnd type="none" w="med" len="med"/>
+                    </a:lnT>
+                    <a:lnB w="12700" cap="flat" cmpd="sng" algn="ctr">
+                      <a:solidFill>
+                        <a:srgbClr val="000000"/>
+                      </a:solidFill>
+                      <a:prstDash val="solid"/>
+                      <a:round/>
+                      <a:headEnd type="none" w="med" len="med"/>
+                      <a:tailEnd type="none" w="med" len="med"/>
+                    </a:lnB>
+                  </a:tcPr>
+                </a:tc>
+                <a:tc>
+                  <a:txBody>
+                    <a:bodyPr/>
+                    <a:lstStyle/>
+                    <a:p>
+                      <a:pPr rtl="0" fontAlgn="t">
+                        <a:spcBef>
+                          <a:spcPts val="0"/>
+                        </a:spcBef>
+                        <a:spcAft>
+                          <a:spcPts val="0"/>
+                        </a:spcAft>
+                      </a:pPr>
+                      <a:r>
+                        <a:rPr lang="en-US" sz="1600" b="0" i="0" u="none" strike="noStrike">
+                          <a:solidFill>
+                            <a:srgbClr val="000000"/>
+                          </a:solidFill>
+                          <a:effectLst/>
+                          <a:latin typeface="Arial" panose="020B0604020202020204" pitchFamily="34" charset="0"/>
+                        </a:rPr>
+                        <a:t>Data Glacier</a:t>
+                      </a:r>
+                      <a:endParaRPr lang="en-US" sz="2500">
+                        <a:effectLst/>
+                      </a:endParaRPr>
+                    </a:p>
+                  </a:txBody>
+                  <a:tcPr marL="89768" marR="89768" marT="89768" marB="89768">
+                    <a:lnL w="12700" cap="flat" cmpd="sng" algn="ctr">
+                      <a:solidFill>
+                        <a:srgbClr val="000000"/>
+                      </a:solidFill>
+                      <a:prstDash val="solid"/>
+                      <a:round/>
+                      <a:headEnd type="none" w="med" len="med"/>
+                      <a:tailEnd type="none" w="med" len="med"/>
+                    </a:lnL>
+                    <a:lnR w="12700" cap="flat" cmpd="sng" algn="ctr">
+                      <a:solidFill>
+                        <a:srgbClr val="000000"/>
+                      </a:solidFill>
+                      <a:prstDash val="solid"/>
+                      <a:round/>
+                      <a:headEnd type="none" w="med" len="med"/>
+                      <a:tailEnd type="none" w="med" len="med"/>
+                    </a:lnR>
+                    <a:lnT w="12700" cap="flat" cmpd="sng" algn="ctr">
+                      <a:solidFill>
+                        <a:srgbClr val="000000"/>
+                      </a:solidFill>
+                      <a:prstDash val="solid"/>
+                      <a:round/>
+                      <a:headEnd type="none" w="med" len="med"/>
+                      <a:tailEnd type="none" w="med" len="med"/>
+                    </a:lnT>
+                    <a:lnB w="12700" cap="flat" cmpd="sng" algn="ctr">
+                      <a:solidFill>
+                        <a:srgbClr val="000000"/>
+                      </a:solidFill>
+                      <a:prstDash val="solid"/>
+                      <a:round/>
+                      <a:headEnd type="none" w="med" len="med"/>
+                      <a:tailEnd type="none" w="med" len="med"/>
+                    </a:lnB>
+                  </a:tcPr>
+                </a:tc>
+                <a:tc>
+                  <a:txBody>
+                    <a:bodyPr/>
+                    <a:lstStyle/>
+                    <a:p>
+                      <a:pPr rtl="0" fontAlgn="t">
+                        <a:spcBef>
+                          <a:spcPts val="0"/>
+                        </a:spcBef>
+                        <a:spcAft>
+                          <a:spcPts val="0"/>
+                        </a:spcAft>
+                      </a:pPr>
+                      <a:r>
+                        <a:rPr lang="en-US" sz="1600" b="0" i="0" u="none" strike="noStrike" dirty="0">
+                          <a:solidFill>
+                            <a:srgbClr val="000000"/>
+                          </a:solidFill>
+                          <a:effectLst/>
+                          <a:latin typeface="Arial" panose="020B0604020202020204" pitchFamily="34" charset="0"/>
+                        </a:rPr>
+                        <a:t>Saudi Arabia</a:t>
+                      </a:r>
+                      <a:endParaRPr lang="en-US" sz="2500" dirty="0">
+                        <a:effectLst/>
+                      </a:endParaRPr>
+                    </a:p>
+                  </a:txBody>
+                  <a:tcPr marL="89768" marR="89768" marT="89768" marB="89768">
+                    <a:lnL w="12700" cap="flat" cmpd="sng" algn="ctr">
+                      <a:solidFill>
+                        <a:srgbClr val="000000"/>
+                      </a:solidFill>
+                      <a:prstDash val="solid"/>
+                      <a:round/>
+                      <a:headEnd type="none" w="med" len="med"/>
+                      <a:tailEnd type="none" w="med" len="med"/>
+                    </a:lnL>
+                    <a:lnR w="12700" cap="flat" cmpd="sng" algn="ctr">
+                      <a:solidFill>
+                        <a:srgbClr val="000000"/>
+                      </a:solidFill>
+                      <a:prstDash val="solid"/>
+                      <a:round/>
+                      <a:headEnd type="none" w="med" len="med"/>
+                      <a:tailEnd type="none" w="med" len="med"/>
+                    </a:lnR>
+                    <a:lnT w="12700" cap="flat" cmpd="sng" algn="ctr">
+                      <a:solidFill>
+                        <a:srgbClr val="000000"/>
+                      </a:solidFill>
+                      <a:prstDash val="solid"/>
+                      <a:round/>
+                      <a:headEnd type="none" w="med" len="med"/>
+                      <a:tailEnd type="none" w="med" len="med"/>
+                    </a:lnT>
+                    <a:lnB w="12700" cap="flat" cmpd="sng" algn="ctr">
+                      <a:solidFill>
+                        <a:srgbClr val="000000"/>
+                      </a:solidFill>
+                      <a:prstDash val="solid"/>
+                      <a:round/>
+                      <a:headEnd type="none" w="med" len="med"/>
+                      <a:tailEnd type="none" w="med" len="med"/>
+                    </a:lnB>
+                  </a:tcPr>
+                </a:tc>
+                <a:tc>
+                  <a:txBody>
+                    <a:bodyPr/>
+                    <a:lstStyle/>
+                    <a:p>
+                      <a:pPr rtl="0" fontAlgn="t">
+                        <a:spcBef>
+                          <a:spcPts val="0"/>
+                        </a:spcBef>
+                        <a:spcAft>
+                          <a:spcPts val="0"/>
+                        </a:spcAft>
+                      </a:pPr>
+                      <a:r>
+                        <a:rPr lang="en-US" sz="1600" b="0" i="0" u="none" strike="noStrike">
+                          <a:solidFill>
+                            <a:srgbClr val="000000"/>
+                          </a:solidFill>
+                          <a:effectLst/>
+                          <a:latin typeface="Arial" panose="020B0604020202020204" pitchFamily="34" charset="0"/>
+                        </a:rPr>
+                        <a:t>Data Science</a:t>
+                      </a:r>
+                      <a:endParaRPr lang="en-US" sz="2500">
+                        <a:effectLst/>
+                      </a:endParaRPr>
+                    </a:p>
+                  </a:txBody>
+                  <a:tcPr marL="89768" marR="89768" marT="89768" marB="89768">
+                    <a:lnL w="12700" cap="flat" cmpd="sng" algn="ctr">
+                      <a:solidFill>
+                        <a:srgbClr val="000000"/>
+                      </a:solidFill>
+                      <a:prstDash val="solid"/>
+                      <a:round/>
+                      <a:headEnd type="none" w="med" len="med"/>
+                      <a:tailEnd type="none" w="med" len="med"/>
+                    </a:lnL>
+                    <a:lnR w="12700" cap="flat" cmpd="sng" algn="ctr">
+                      <a:solidFill>
+                        <a:srgbClr val="000000"/>
+                      </a:solidFill>
+                      <a:prstDash val="solid"/>
+                      <a:round/>
+                      <a:headEnd type="none" w="med" len="med"/>
+                      <a:tailEnd type="none" w="med" len="med"/>
+                    </a:lnR>
+                    <a:lnT w="12700" cap="flat" cmpd="sng" algn="ctr">
+                      <a:solidFill>
+                        <a:srgbClr val="000000"/>
+                      </a:solidFill>
+                      <a:prstDash val="solid"/>
+                      <a:round/>
+                      <a:headEnd type="none" w="med" len="med"/>
+                      <a:tailEnd type="none" w="med" len="med"/>
+                    </a:lnT>
+                    <a:lnB w="12700" cap="flat" cmpd="sng" algn="ctr">
+                      <a:solidFill>
+                        <a:srgbClr val="000000"/>
+                      </a:solidFill>
+                      <a:prstDash val="solid"/>
+                      <a:round/>
+                      <a:headEnd type="none" w="med" len="med"/>
+                      <a:tailEnd type="none" w="med" len="med"/>
+                    </a:lnB>
+                  </a:tcPr>
+                </a:tc>
+                <a:extLst>
+                  <a:ext uri="{0D108BD9-81ED-4DB2-BD59-A6C34878D82A}">
+                    <a16:rowId xmlns:a16="http://schemas.microsoft.com/office/drawing/2014/main" val="3954831432"/>
+                  </a:ext>
+                </a:extLst>
+              </a:tr>
+              <a:tr h="653513">
+                <a:tc>
+                  <a:txBody>
+                    <a:bodyPr/>
+                    <a:lstStyle/>
+                    <a:p>
+                      <a:pPr rtl="0" fontAlgn="t">
+                        <a:spcBef>
+                          <a:spcPts val="0"/>
+                        </a:spcBef>
+                        <a:spcAft>
+                          <a:spcPts val="0"/>
+                        </a:spcAft>
+                      </a:pPr>
+                      <a:r>
+                        <a:rPr lang="en-US" sz="1600" b="0" i="0" u="none" strike="noStrike">
+                          <a:solidFill>
+                            <a:srgbClr val="000000"/>
+                          </a:solidFill>
+                          <a:effectLst/>
+                          <a:latin typeface="Arial" panose="020B0604020202020204" pitchFamily="34" charset="0"/>
+                        </a:rPr>
+                        <a:t>Prince Kumar Lat</a:t>
+                      </a:r>
+                      <a:endParaRPr lang="en-US" sz="2500">
+                        <a:effectLst/>
+                      </a:endParaRPr>
+                    </a:p>
+                  </a:txBody>
+                  <a:tcPr marL="89768" marR="89768" marT="89768" marB="89768">
+                    <a:lnL w="12700" cap="flat" cmpd="sng" algn="ctr">
+                      <a:solidFill>
+                        <a:srgbClr val="000000"/>
+                      </a:solidFill>
+                      <a:prstDash val="solid"/>
+                      <a:round/>
+                      <a:headEnd type="none" w="med" len="med"/>
+                      <a:tailEnd type="none" w="med" len="med"/>
+                    </a:lnL>
+                    <a:lnR w="12700" cap="flat" cmpd="sng" algn="ctr">
+                      <a:solidFill>
+                        <a:srgbClr val="000000"/>
+                      </a:solidFill>
+                      <a:prstDash val="solid"/>
+                      <a:round/>
+                      <a:headEnd type="none" w="med" len="med"/>
+                      <a:tailEnd type="none" w="med" len="med"/>
+                    </a:lnR>
+                    <a:lnT w="12700" cap="flat" cmpd="sng" algn="ctr">
+                      <a:solidFill>
+                        <a:srgbClr val="000000"/>
+                      </a:solidFill>
+                      <a:prstDash val="solid"/>
+                      <a:round/>
+                      <a:headEnd type="none" w="med" len="med"/>
+                      <a:tailEnd type="none" w="med" len="med"/>
+                    </a:lnT>
+                    <a:lnB w="12700" cap="flat" cmpd="sng" algn="ctr">
+                      <a:solidFill>
+                        <a:srgbClr val="000000"/>
+                      </a:solidFill>
+                      <a:prstDash val="solid"/>
+                      <a:round/>
+                      <a:headEnd type="none" w="med" len="med"/>
+                      <a:tailEnd type="none" w="med" len="med"/>
+                    </a:lnB>
+                  </a:tcPr>
+                </a:tc>
+                <a:tc>
+                  <a:txBody>
+                    <a:bodyPr/>
+                    <a:lstStyle/>
+                    <a:p>
+                      <a:pPr rtl="0" fontAlgn="t">
+                        <a:spcBef>
+                          <a:spcPts val="0"/>
+                        </a:spcBef>
+                        <a:spcAft>
+                          <a:spcPts val="0"/>
+                        </a:spcAft>
+                      </a:pPr>
+                      <a:r>
+                        <a:rPr lang="en-US" sz="1600" b="0" i="0" u="sng" strike="noStrike">
+                          <a:solidFill>
+                            <a:srgbClr val="1155CC"/>
+                          </a:solidFill>
+                          <a:effectLst/>
+                          <a:latin typeface="Arial" panose="020B0604020202020204" pitchFamily="34" charset="0"/>
+                          <a:hlinkClick r:id="rId5"/>
+                        </a:rPr>
+                        <a:t>princek.iitk@gmail.com</a:t>
+                      </a:r>
+                      <a:endParaRPr lang="en-US" sz="2500">
+                        <a:effectLst/>
+                      </a:endParaRPr>
+                    </a:p>
+                  </a:txBody>
+                  <a:tcPr marL="89768" marR="89768" marT="89768" marB="89768">
+                    <a:lnL w="12700" cap="flat" cmpd="sng" algn="ctr">
+                      <a:solidFill>
+                        <a:srgbClr val="000000"/>
+                      </a:solidFill>
+                      <a:prstDash val="solid"/>
+                      <a:round/>
+                      <a:headEnd type="none" w="med" len="med"/>
+                      <a:tailEnd type="none" w="med" len="med"/>
+                    </a:lnL>
+                    <a:lnR w="12700" cap="flat" cmpd="sng" algn="ctr">
+                      <a:solidFill>
+                        <a:srgbClr val="000000"/>
+                      </a:solidFill>
+                      <a:prstDash val="solid"/>
+                      <a:round/>
+                      <a:headEnd type="none" w="med" len="med"/>
+                      <a:tailEnd type="none" w="med" len="med"/>
+                    </a:lnR>
+                    <a:lnT w="12700" cap="flat" cmpd="sng" algn="ctr">
+                      <a:solidFill>
+                        <a:srgbClr val="000000"/>
+                      </a:solidFill>
+                      <a:prstDash val="solid"/>
+                      <a:round/>
+                      <a:headEnd type="none" w="med" len="med"/>
+                      <a:tailEnd type="none" w="med" len="med"/>
+                    </a:lnT>
+                    <a:lnB w="12700" cap="flat" cmpd="sng" algn="ctr">
+                      <a:solidFill>
+                        <a:srgbClr val="000000"/>
+                      </a:solidFill>
+                      <a:prstDash val="solid"/>
+                      <a:round/>
+                      <a:headEnd type="none" w="med" len="med"/>
+                      <a:tailEnd type="none" w="med" len="med"/>
+                    </a:lnB>
+                  </a:tcPr>
+                </a:tc>
+                <a:tc>
+                  <a:txBody>
+                    <a:bodyPr/>
+                    <a:lstStyle/>
+                    <a:p>
+                      <a:pPr rtl="0" fontAlgn="t">
+                        <a:spcBef>
+                          <a:spcPts val="0"/>
+                        </a:spcBef>
+                        <a:spcAft>
+                          <a:spcPts val="0"/>
+                        </a:spcAft>
+                      </a:pPr>
+                      <a:r>
+                        <a:rPr lang="en-US" sz="1600" b="0" i="0" u="none" strike="noStrike">
+                          <a:solidFill>
+                            <a:srgbClr val="000000"/>
+                          </a:solidFill>
+                          <a:effectLst/>
+                          <a:latin typeface="Arial" panose="020B0604020202020204" pitchFamily="34" charset="0"/>
+                        </a:rPr>
+                        <a:t>Data Glacier</a:t>
+                      </a:r>
+                      <a:endParaRPr lang="en-US" sz="2500">
+                        <a:effectLst/>
+                      </a:endParaRPr>
+                    </a:p>
+                  </a:txBody>
+                  <a:tcPr marL="89768" marR="89768" marT="89768" marB="89768">
+                    <a:lnL w="12700" cap="flat" cmpd="sng" algn="ctr">
+                      <a:solidFill>
+                        <a:srgbClr val="000000"/>
+                      </a:solidFill>
+                      <a:prstDash val="solid"/>
+                      <a:round/>
+                      <a:headEnd type="none" w="med" len="med"/>
+                      <a:tailEnd type="none" w="med" len="med"/>
+                    </a:lnL>
+                    <a:lnR w="12700" cap="flat" cmpd="sng" algn="ctr">
+                      <a:solidFill>
+                        <a:srgbClr val="000000"/>
+                      </a:solidFill>
+                      <a:prstDash val="solid"/>
+                      <a:round/>
+                      <a:headEnd type="none" w="med" len="med"/>
+                      <a:tailEnd type="none" w="med" len="med"/>
+                    </a:lnR>
+                    <a:lnT w="12700" cap="flat" cmpd="sng" algn="ctr">
+                      <a:solidFill>
+                        <a:srgbClr val="000000"/>
+                      </a:solidFill>
+                      <a:prstDash val="solid"/>
+                      <a:round/>
+                      <a:headEnd type="none" w="med" len="med"/>
+                      <a:tailEnd type="none" w="med" len="med"/>
+                    </a:lnT>
+                    <a:lnB w="12700" cap="flat" cmpd="sng" algn="ctr">
+                      <a:solidFill>
+                        <a:srgbClr val="000000"/>
+                      </a:solidFill>
+                      <a:prstDash val="solid"/>
+                      <a:round/>
+                      <a:headEnd type="none" w="med" len="med"/>
+                      <a:tailEnd type="none" w="med" len="med"/>
+                    </a:lnB>
+                  </a:tcPr>
+                </a:tc>
+                <a:tc>
+                  <a:txBody>
+                    <a:bodyPr/>
+                    <a:lstStyle/>
+                    <a:p>
+                      <a:pPr rtl="0" fontAlgn="t">
+                        <a:spcBef>
+                          <a:spcPts val="0"/>
+                        </a:spcBef>
+                        <a:spcAft>
+                          <a:spcPts val="0"/>
+                        </a:spcAft>
+                      </a:pPr>
+                      <a:r>
+                        <a:rPr lang="en-US" sz="1600" b="0" i="0" u="none" strike="noStrike">
+                          <a:solidFill>
+                            <a:srgbClr val="000000"/>
+                          </a:solidFill>
+                          <a:effectLst/>
+                          <a:latin typeface="Arial" panose="020B0604020202020204" pitchFamily="34" charset="0"/>
+                        </a:rPr>
+                        <a:t>Canada</a:t>
+                      </a:r>
+                      <a:endParaRPr lang="en-US" sz="2500">
+                        <a:effectLst/>
+                      </a:endParaRPr>
+                    </a:p>
+                  </a:txBody>
+                  <a:tcPr marL="89768" marR="89768" marT="89768" marB="89768">
+                    <a:lnL w="12700" cap="flat" cmpd="sng" algn="ctr">
+                      <a:solidFill>
+                        <a:srgbClr val="000000"/>
+                      </a:solidFill>
+                      <a:prstDash val="solid"/>
+                      <a:round/>
+                      <a:headEnd type="none" w="med" len="med"/>
+                      <a:tailEnd type="none" w="med" len="med"/>
+                    </a:lnL>
+                    <a:lnR w="12700" cap="flat" cmpd="sng" algn="ctr">
+                      <a:solidFill>
+                        <a:srgbClr val="000000"/>
+                      </a:solidFill>
+                      <a:prstDash val="solid"/>
+                      <a:round/>
+                      <a:headEnd type="none" w="med" len="med"/>
+                      <a:tailEnd type="none" w="med" len="med"/>
+                    </a:lnR>
+                    <a:lnT w="12700" cap="flat" cmpd="sng" algn="ctr">
+                      <a:solidFill>
+                        <a:srgbClr val="000000"/>
+                      </a:solidFill>
+                      <a:prstDash val="solid"/>
+                      <a:round/>
+                      <a:headEnd type="none" w="med" len="med"/>
+                      <a:tailEnd type="none" w="med" len="med"/>
+                    </a:lnT>
+                    <a:lnB w="12700" cap="flat" cmpd="sng" algn="ctr">
+                      <a:solidFill>
+                        <a:srgbClr val="000000"/>
+                      </a:solidFill>
+                      <a:prstDash val="solid"/>
+                      <a:round/>
+                      <a:headEnd type="none" w="med" len="med"/>
+                      <a:tailEnd type="none" w="med" len="med"/>
+                    </a:lnB>
+                  </a:tcPr>
+                </a:tc>
+                <a:tc>
+                  <a:txBody>
+                    <a:bodyPr/>
+                    <a:lstStyle/>
+                    <a:p>
+                      <a:pPr rtl="0" fontAlgn="t">
+                        <a:spcBef>
+                          <a:spcPts val="0"/>
+                        </a:spcBef>
+                        <a:spcAft>
+                          <a:spcPts val="0"/>
+                        </a:spcAft>
+                      </a:pPr>
+                      <a:r>
+                        <a:rPr lang="en-US" sz="1600" b="0" i="0" u="none" strike="noStrike">
+                          <a:solidFill>
+                            <a:srgbClr val="000000"/>
+                          </a:solidFill>
+                          <a:effectLst/>
+                          <a:latin typeface="Arial" panose="020B0604020202020204" pitchFamily="34" charset="0"/>
+                        </a:rPr>
+                        <a:t>Data Science</a:t>
+                      </a:r>
+                      <a:endParaRPr lang="en-US" sz="2500">
+                        <a:effectLst/>
+                      </a:endParaRPr>
+                    </a:p>
+                  </a:txBody>
+                  <a:tcPr marL="89768" marR="89768" marT="89768" marB="89768">
+                    <a:lnL w="12700" cap="flat" cmpd="sng" algn="ctr">
+                      <a:solidFill>
+                        <a:srgbClr val="000000"/>
+                      </a:solidFill>
+                      <a:prstDash val="solid"/>
+                      <a:round/>
+                      <a:headEnd type="none" w="med" len="med"/>
+                      <a:tailEnd type="none" w="med" len="med"/>
+                    </a:lnL>
+                    <a:lnR w="12700" cap="flat" cmpd="sng" algn="ctr">
+                      <a:solidFill>
+                        <a:srgbClr val="000000"/>
+                      </a:solidFill>
+                      <a:prstDash val="solid"/>
+                      <a:round/>
+                      <a:headEnd type="none" w="med" len="med"/>
+                      <a:tailEnd type="none" w="med" len="med"/>
+                    </a:lnR>
+                    <a:lnT w="12700" cap="flat" cmpd="sng" algn="ctr">
+                      <a:solidFill>
+                        <a:srgbClr val="000000"/>
+                      </a:solidFill>
+                      <a:prstDash val="solid"/>
+                      <a:round/>
+                      <a:headEnd type="none" w="med" len="med"/>
+                      <a:tailEnd type="none" w="med" len="med"/>
+                    </a:lnT>
+                    <a:lnB w="12700" cap="flat" cmpd="sng" algn="ctr">
+                      <a:solidFill>
+                        <a:srgbClr val="000000"/>
+                      </a:solidFill>
+                      <a:prstDash val="solid"/>
+                      <a:round/>
+                      <a:headEnd type="none" w="med" len="med"/>
+                      <a:tailEnd type="none" w="med" len="med"/>
+                    </a:lnB>
+                  </a:tcPr>
+                </a:tc>
+                <a:extLst>
+                  <a:ext uri="{0D108BD9-81ED-4DB2-BD59-A6C34878D82A}">
+                    <a16:rowId xmlns:a16="http://schemas.microsoft.com/office/drawing/2014/main" val="3606317017"/>
+                  </a:ext>
+                </a:extLst>
+              </a:tr>
+              <a:tr h="653513">
+                <a:tc>
+                  <a:txBody>
+                    <a:bodyPr/>
+                    <a:lstStyle/>
+                    <a:p>
+                      <a:pPr rtl="0" fontAlgn="t">
+                        <a:spcBef>
+                          <a:spcPts val="0"/>
+                        </a:spcBef>
+                        <a:spcAft>
+                          <a:spcPts val="0"/>
+                        </a:spcAft>
+                      </a:pPr>
+                      <a:r>
+                        <a:rPr lang="en-US" sz="1600" b="0" i="0" u="none" strike="noStrike">
+                          <a:solidFill>
+                            <a:srgbClr val="000000"/>
+                          </a:solidFill>
+                          <a:effectLst/>
+                          <a:latin typeface="Arial" panose="020B0604020202020204" pitchFamily="34" charset="0"/>
+                        </a:rPr>
+                        <a:t>Mohamed Amine Kina</a:t>
+                      </a:r>
+                      <a:endParaRPr lang="en-US" sz="2500">
+                        <a:effectLst/>
+                      </a:endParaRPr>
+                    </a:p>
+                  </a:txBody>
+                  <a:tcPr marL="89768" marR="89768" marT="89768" marB="89768">
+                    <a:lnL w="12700" cap="flat" cmpd="sng" algn="ctr">
+                      <a:solidFill>
+                        <a:srgbClr val="000000"/>
+                      </a:solidFill>
+                      <a:prstDash val="solid"/>
+                      <a:round/>
+                      <a:headEnd type="none" w="med" len="med"/>
+                      <a:tailEnd type="none" w="med" len="med"/>
+                    </a:lnL>
+                    <a:lnR w="12700" cap="flat" cmpd="sng" algn="ctr">
+                      <a:solidFill>
+                        <a:srgbClr val="000000"/>
+                      </a:solidFill>
+                      <a:prstDash val="solid"/>
+                      <a:round/>
+                      <a:headEnd type="none" w="med" len="med"/>
+                      <a:tailEnd type="none" w="med" len="med"/>
+                    </a:lnR>
+                    <a:lnT w="12700" cap="flat" cmpd="sng" algn="ctr">
+                      <a:solidFill>
+                        <a:srgbClr val="000000"/>
+                      </a:solidFill>
+                      <a:prstDash val="solid"/>
+                      <a:round/>
+                      <a:headEnd type="none" w="med" len="med"/>
+                      <a:tailEnd type="none" w="med" len="med"/>
+                    </a:lnT>
+                    <a:lnB w="12700" cap="flat" cmpd="sng" algn="ctr">
+                      <a:solidFill>
+                        <a:srgbClr val="000000"/>
+                      </a:solidFill>
+                      <a:prstDash val="solid"/>
+                      <a:round/>
+                      <a:headEnd type="none" w="med" len="med"/>
+                      <a:tailEnd type="none" w="med" len="med"/>
+                    </a:lnB>
+                  </a:tcPr>
+                </a:tc>
+                <a:tc>
+                  <a:txBody>
+                    <a:bodyPr/>
+                    <a:lstStyle/>
+                    <a:p>
+                      <a:pPr rtl="0" fontAlgn="t">
+                        <a:spcBef>
+                          <a:spcPts val="0"/>
+                        </a:spcBef>
+                        <a:spcAft>
+                          <a:spcPts val="0"/>
+                        </a:spcAft>
+                      </a:pPr>
+                      <a:r>
+                        <a:rPr lang="en-US" sz="1600" b="0" i="0" u="sng" strike="noStrike">
+                          <a:solidFill>
+                            <a:srgbClr val="1155CC"/>
+                          </a:solidFill>
+                          <a:effectLst/>
+                          <a:latin typeface="Arial" panose="020B0604020202020204" pitchFamily="34" charset="0"/>
+                          <a:hlinkClick r:id="rId6"/>
+                        </a:rPr>
+                        <a:t>kinaamine@gmail.com</a:t>
+                      </a:r>
+                      <a:endParaRPr lang="en-US" sz="2500">
+                        <a:effectLst/>
+                      </a:endParaRPr>
+                    </a:p>
+                  </a:txBody>
+                  <a:tcPr marL="89768" marR="89768" marT="89768" marB="89768">
+                    <a:lnL w="12700" cap="flat" cmpd="sng" algn="ctr">
+                      <a:solidFill>
+                        <a:srgbClr val="000000"/>
+                      </a:solidFill>
+                      <a:prstDash val="solid"/>
+                      <a:round/>
+                      <a:headEnd type="none" w="med" len="med"/>
+                      <a:tailEnd type="none" w="med" len="med"/>
+                    </a:lnL>
+                    <a:lnR w="12700" cap="flat" cmpd="sng" algn="ctr">
+                      <a:solidFill>
+                        <a:srgbClr val="000000"/>
+                      </a:solidFill>
+                      <a:prstDash val="solid"/>
+                      <a:round/>
+                      <a:headEnd type="none" w="med" len="med"/>
+                      <a:tailEnd type="none" w="med" len="med"/>
+                    </a:lnR>
+                    <a:lnT w="12700" cap="flat" cmpd="sng" algn="ctr">
+                      <a:solidFill>
+                        <a:srgbClr val="000000"/>
+                      </a:solidFill>
+                      <a:prstDash val="solid"/>
+                      <a:round/>
+                      <a:headEnd type="none" w="med" len="med"/>
+                      <a:tailEnd type="none" w="med" len="med"/>
+                    </a:lnT>
+                    <a:lnB w="12700" cap="flat" cmpd="sng" algn="ctr">
+                      <a:solidFill>
+                        <a:srgbClr val="000000"/>
+                      </a:solidFill>
+                      <a:prstDash val="solid"/>
+                      <a:round/>
+                      <a:headEnd type="none" w="med" len="med"/>
+                      <a:tailEnd type="none" w="med" len="med"/>
+                    </a:lnB>
+                  </a:tcPr>
+                </a:tc>
+                <a:tc>
+                  <a:txBody>
+                    <a:bodyPr/>
+                    <a:lstStyle/>
+                    <a:p>
+                      <a:pPr rtl="0" fontAlgn="t">
+                        <a:spcBef>
+                          <a:spcPts val="0"/>
+                        </a:spcBef>
+                        <a:spcAft>
+                          <a:spcPts val="0"/>
+                        </a:spcAft>
+                      </a:pPr>
+                      <a:r>
+                        <a:rPr lang="en-US" sz="1600" b="0" i="0" u="none" strike="noStrike">
+                          <a:solidFill>
+                            <a:srgbClr val="000000"/>
+                          </a:solidFill>
+                          <a:effectLst/>
+                          <a:latin typeface="Arial" panose="020B0604020202020204" pitchFamily="34" charset="0"/>
+                        </a:rPr>
+                        <a:t>Data Glacier</a:t>
+                      </a:r>
+                      <a:endParaRPr lang="en-US" sz="2500">
+                        <a:effectLst/>
+                      </a:endParaRPr>
+                    </a:p>
+                  </a:txBody>
+                  <a:tcPr marL="89768" marR="89768" marT="89768" marB="89768">
+                    <a:lnL w="12700" cap="flat" cmpd="sng" algn="ctr">
+                      <a:solidFill>
+                        <a:srgbClr val="000000"/>
+                      </a:solidFill>
+                      <a:prstDash val="solid"/>
+                      <a:round/>
+                      <a:headEnd type="none" w="med" len="med"/>
+                      <a:tailEnd type="none" w="med" len="med"/>
+                    </a:lnL>
+                    <a:lnR w="12700" cap="flat" cmpd="sng" algn="ctr">
+                      <a:solidFill>
+                        <a:srgbClr val="000000"/>
+                      </a:solidFill>
+                      <a:prstDash val="solid"/>
+                      <a:round/>
+                      <a:headEnd type="none" w="med" len="med"/>
+                      <a:tailEnd type="none" w="med" len="med"/>
+                    </a:lnR>
+                    <a:lnT w="12700" cap="flat" cmpd="sng" algn="ctr">
+                      <a:solidFill>
+                        <a:srgbClr val="000000"/>
+                      </a:solidFill>
+                      <a:prstDash val="solid"/>
+                      <a:round/>
+                      <a:headEnd type="none" w="med" len="med"/>
+                      <a:tailEnd type="none" w="med" len="med"/>
+                    </a:lnT>
+                    <a:lnB w="12700" cap="flat" cmpd="sng" algn="ctr">
+                      <a:solidFill>
+                        <a:srgbClr val="000000"/>
+                      </a:solidFill>
+                      <a:prstDash val="solid"/>
+                      <a:round/>
+                      <a:headEnd type="none" w="med" len="med"/>
+                      <a:tailEnd type="none" w="med" len="med"/>
+                    </a:lnB>
+                  </a:tcPr>
+                </a:tc>
+                <a:tc>
+                  <a:txBody>
+                    <a:bodyPr/>
+                    <a:lstStyle/>
+                    <a:p>
+                      <a:pPr rtl="0" fontAlgn="t">
+                        <a:spcBef>
+                          <a:spcPts val="0"/>
+                        </a:spcBef>
+                        <a:spcAft>
+                          <a:spcPts val="0"/>
+                        </a:spcAft>
+                      </a:pPr>
+                      <a:r>
+                        <a:rPr lang="en-US" sz="1600" b="0" i="0" u="none" strike="noStrike">
+                          <a:solidFill>
+                            <a:srgbClr val="000000"/>
+                          </a:solidFill>
+                          <a:effectLst/>
+                          <a:latin typeface="Arial" panose="020B0604020202020204" pitchFamily="34" charset="0"/>
+                        </a:rPr>
+                        <a:t>Germany</a:t>
+                      </a:r>
+                      <a:endParaRPr lang="en-US" sz="2500">
+                        <a:effectLst/>
+                      </a:endParaRPr>
+                    </a:p>
+                  </a:txBody>
+                  <a:tcPr marL="89768" marR="89768" marT="89768" marB="89768">
+                    <a:lnL w="12700" cap="flat" cmpd="sng" algn="ctr">
+                      <a:solidFill>
+                        <a:srgbClr val="000000"/>
+                      </a:solidFill>
+                      <a:prstDash val="solid"/>
+                      <a:round/>
+                      <a:headEnd type="none" w="med" len="med"/>
+                      <a:tailEnd type="none" w="med" len="med"/>
+                    </a:lnL>
+                    <a:lnR w="12700" cap="flat" cmpd="sng" algn="ctr">
+                      <a:solidFill>
+                        <a:srgbClr val="000000"/>
+                      </a:solidFill>
+                      <a:prstDash val="solid"/>
+                      <a:round/>
+                      <a:headEnd type="none" w="med" len="med"/>
+                      <a:tailEnd type="none" w="med" len="med"/>
+                    </a:lnR>
+                    <a:lnT w="12700" cap="flat" cmpd="sng" algn="ctr">
+                      <a:solidFill>
+                        <a:srgbClr val="000000"/>
+                      </a:solidFill>
+                      <a:prstDash val="solid"/>
+                      <a:round/>
+                      <a:headEnd type="none" w="med" len="med"/>
+                      <a:tailEnd type="none" w="med" len="med"/>
+                    </a:lnT>
+                    <a:lnB w="12700" cap="flat" cmpd="sng" algn="ctr">
+                      <a:solidFill>
+                        <a:srgbClr val="000000"/>
+                      </a:solidFill>
+                      <a:prstDash val="solid"/>
+                      <a:round/>
+                      <a:headEnd type="none" w="med" len="med"/>
+                      <a:tailEnd type="none" w="med" len="med"/>
+                    </a:lnB>
+                  </a:tcPr>
+                </a:tc>
+                <a:tc>
+                  <a:txBody>
+                    <a:bodyPr/>
+                    <a:lstStyle/>
+                    <a:p>
+                      <a:pPr rtl="0" fontAlgn="t">
+                        <a:spcBef>
+                          <a:spcPts val="0"/>
+                        </a:spcBef>
+                        <a:spcAft>
+                          <a:spcPts val="0"/>
+                        </a:spcAft>
+                      </a:pPr>
+                      <a:r>
+                        <a:rPr lang="en-US" sz="1600" b="0" i="0" u="none" strike="noStrike" dirty="0">
+                          <a:solidFill>
+                            <a:srgbClr val="000000"/>
+                          </a:solidFill>
+                          <a:effectLst/>
+                          <a:latin typeface="Arial" panose="020B0604020202020204" pitchFamily="34" charset="0"/>
+                        </a:rPr>
+                        <a:t>Data Science</a:t>
+                      </a:r>
+                      <a:endParaRPr lang="en-US" sz="2500" dirty="0">
+                        <a:effectLst/>
+                      </a:endParaRPr>
+                    </a:p>
+                  </a:txBody>
+                  <a:tcPr marL="89768" marR="89768" marT="89768" marB="89768">
+                    <a:lnL w="12700" cap="flat" cmpd="sng" algn="ctr">
+                      <a:solidFill>
+                        <a:srgbClr val="000000"/>
+                      </a:solidFill>
+                      <a:prstDash val="solid"/>
+                      <a:round/>
+                      <a:headEnd type="none" w="med" len="med"/>
+                      <a:tailEnd type="none" w="med" len="med"/>
+                    </a:lnL>
+                    <a:lnR w="12700" cap="flat" cmpd="sng" algn="ctr">
+                      <a:solidFill>
+                        <a:srgbClr val="000000"/>
+                      </a:solidFill>
+                      <a:prstDash val="solid"/>
+                      <a:round/>
+                      <a:headEnd type="none" w="med" len="med"/>
+                      <a:tailEnd type="none" w="med" len="med"/>
+                    </a:lnR>
+                    <a:lnT w="12700" cap="flat" cmpd="sng" algn="ctr">
+                      <a:solidFill>
+                        <a:srgbClr val="000000"/>
+                      </a:solidFill>
+                      <a:prstDash val="solid"/>
+                      <a:round/>
+                      <a:headEnd type="none" w="med" len="med"/>
+                      <a:tailEnd type="none" w="med" len="med"/>
+                    </a:lnT>
+                    <a:lnB w="12700" cap="flat" cmpd="sng" algn="ctr">
+                      <a:solidFill>
+                        <a:srgbClr val="000000"/>
+                      </a:solidFill>
+                      <a:prstDash val="solid"/>
+                      <a:round/>
+                      <a:headEnd type="none" w="med" len="med"/>
+                      <a:tailEnd type="none" w="med" len="med"/>
+                    </a:lnB>
+                  </a:tcPr>
+                </a:tc>
+                <a:extLst>
+                  <a:ext uri="{0D108BD9-81ED-4DB2-BD59-A6C34878D82A}">
+                    <a16:rowId xmlns:a16="http://schemas.microsoft.com/office/drawing/2014/main" val="4078499039"/>
+                  </a:ext>
+                </a:extLst>
+              </a:tr>
+            </a:tbl>
+          </a:graphicData>
+        </a:graphic>
+      </p:graphicFrame>
+      <p:sp>
+        <p:nvSpPr>
+          <p:cNvPr id="11" name="Rectangle 3">
+            <a:extLst>
+              <a:ext uri="{FF2B5EF4-FFF2-40B4-BE49-F238E27FC236}">
+                <a16:creationId xmlns:a16="http://schemas.microsoft.com/office/drawing/2014/main" id="{554CF8CB-16CC-439F-7A28-BD50BEDD94E2}"/>
+              </a:ext>
+            </a:extLst>
+          </p:cNvPr>
+          <p:cNvSpPr>
+            <a:spLocks noChangeArrowheads="1"/>
+          </p:cNvSpPr>
+          <p:nvPr/>
+        </p:nvSpPr>
+        <p:spPr bwMode="auto">
+          <a:xfrm>
+            <a:off x="5065909" y="2022911"/>
+            <a:ext cx="2153154" cy="1400383"/>
+          </a:xfrm>
+          <a:prstGeom prst="rect">
+            <a:avLst/>
+          </a:prstGeom>
+          <a:noFill/>
+          <a:ln>
+            <a:noFill/>
+          </a:ln>
+          <a:effectLst/>
+          <a:extLst>
+            <a:ext uri="{909E8E84-426E-40DD-AFC4-6F175D3DCCD1}">
+              <a14:hiddenFill xmlns:a14="http://schemas.microsoft.com/office/drawing/2010/main">
+                <a:solidFill>
+                  <a:schemeClr val="accent1"/>
+                </a:solidFill>
+              </a14:hiddenFill>
+            </a:ext>
+            <a:ext uri="{91240B29-F687-4F45-9708-019B960494DF}">
+              <a14:hiddenLine xmlns:a14="http://schemas.microsoft.com/office/drawing/2010/main" w="9525">
+                <a:solidFill>
+                  <a:schemeClr val="tx1"/>
+                </a:solidFill>
+                <a:miter lim="800000"/>
+                <a:headEnd/>
+                <a:tailEnd/>
+              </a14:hiddenLine>
+            </a:ext>
+            <a:ext uri="{AF507438-7753-43E0-B8FC-AC1667EBCBE1}">
+              <a14:hiddenEffects xmlns:a14="http://schemas.microsoft.com/office/drawing/2010/main">
+                <a:effectLst>
+                  <a:outerShdw dist="35921" dir="2700000" algn="ctr" rotWithShape="0">
+                    <a:schemeClr val="bg2"/>
+                  </a:outerShdw>
+                </a:effectLst>
+              </a14:hiddenEffects>
+            </a:ext>
+          </a:extLst>
+        </p:spPr>
+        <p:txBody>
+          <a:bodyPr vert="horz" wrap="none" lIns="91440" tIns="45720" rIns="91440" bIns="45720" numCol="1" anchor="ctr" anchorCtr="0" compatLnSpc="1">
+            <a:prstTxWarp prst="textNoShape">
+              <a:avLst/>
+            </a:prstTxWarp>
+            <a:spAutoFit/>
+          </a:bodyPr>
+          <a:lstStyle/>
+          <a:p>
+            <a:pPr marL="0" marR="0" lvl="0" indent="0" algn="ctr" defTabSz="914400" rtl="0" eaLnBrk="0" fontAlgn="base" latinLnBrk="0" hangingPunct="0">
+              <a:lnSpc>
+                <a:spcPct val="100000"/>
+              </a:lnSpc>
+              <a:spcBef>
+                <a:spcPct val="0"/>
+              </a:spcBef>
+              <a:spcAft>
+                <a:spcPct val="0"/>
+              </a:spcAft>
+              <a:buClrTx/>
+              <a:buSzTx/>
+              <a:buFontTx/>
+              <a:buNone/>
+              <a:tabLst/>
+            </a:pPr>
+            <a:r>
+              <a:rPr kumimoji="0" lang="en-US" altLang="en-US" sz="1300" b="1" i="0" u="none" strike="noStrike" cap="none" normalizeH="0" baseline="0" dirty="0">
+                <a:ln>
+                  <a:noFill/>
+                </a:ln>
+                <a:solidFill>
+                  <a:srgbClr val="000000"/>
+                </a:solidFill>
+                <a:effectLst/>
+                <a:latin typeface="Arial" panose="020B0604020202020204" pitchFamily="34" charset="0"/>
+                <a:cs typeface="Arial" panose="020B0604020202020204" pitchFamily="34" charset="0"/>
+              </a:rPr>
+              <a:t>Group Name: Data Force</a:t>
+            </a:r>
+            <a:endParaRPr kumimoji="0" lang="en-US" altLang="en-US" sz="800" b="0" i="0" u="none" strike="noStrike" cap="none" normalizeH="0" baseline="0" dirty="0">
+              <a:ln>
+                <a:noFill/>
+              </a:ln>
+              <a:solidFill>
+                <a:schemeClr val="tx1"/>
+              </a:solidFill>
+              <a:effectLst/>
+            </a:endParaRPr>
+          </a:p>
+          <a:p>
+            <a:pPr marL="0" marR="0" lvl="0" indent="0" algn="ctr" defTabSz="914400" rtl="0" eaLnBrk="0" fontAlgn="base" latinLnBrk="0" hangingPunct="0">
+              <a:lnSpc>
+                <a:spcPct val="100000"/>
+              </a:lnSpc>
+              <a:spcBef>
+                <a:spcPct val="0"/>
+              </a:spcBef>
+              <a:spcAft>
+                <a:spcPct val="0"/>
+              </a:spcAft>
+              <a:buClrTx/>
+              <a:buSzTx/>
+              <a:buFontTx/>
+              <a:buNone/>
+              <a:tabLst/>
+            </a:pPr>
             <a:br>
-              <a:rPr lang="en-US" dirty="0"/>
+              <a:rPr kumimoji="0" lang="en-US" altLang="en-US" sz="1800" b="0" i="0" u="none" strike="noStrike" cap="none" normalizeH="0" baseline="0" dirty="0">
+                <a:ln>
+                  <a:noFill/>
+                </a:ln>
+                <a:solidFill>
+                  <a:schemeClr val="tx1"/>
+                </a:solidFill>
+                <a:effectLst/>
+                <a:latin typeface="Arial" panose="020B0604020202020204" pitchFamily="34" charset="0"/>
+              </a:rPr>
             </a:br>
-            <a:r>
-              <a:rPr lang="en-US" dirty="0"/>
-              <a:t>In this data analysis, the various factors of a patient are evaluated to determine if they have an affect on the persistency. </a:t>
-            </a:r>
-          </a:p>
-          <a:p>
-            <a:endParaRPr lang="en-US" dirty="0"/>
-          </a:p>
-          <a:p>
-            <a:r>
-              <a:rPr lang="en-US" dirty="0"/>
-              <a:t>At the end of this project, we will suggest a model to follow for deployment. </a:t>
-            </a:r>
+            <a:br>
+              <a:rPr kumimoji="0" lang="en-US" altLang="en-US" sz="1800" b="0" i="0" u="none" strike="noStrike" cap="none" normalizeH="0" baseline="0" dirty="0">
+                <a:ln>
+                  <a:noFill/>
+                </a:ln>
+                <a:solidFill>
+                  <a:schemeClr val="tx1"/>
+                </a:solidFill>
+                <a:effectLst/>
+                <a:latin typeface="Arial" panose="020B0604020202020204" pitchFamily="34" charset="0"/>
+              </a:rPr>
+            </a:br>
+            <a:endParaRPr kumimoji="0" lang="en-US" altLang="en-US" sz="1800" b="0" i="0" u="none" strike="noStrike" cap="none" normalizeH="0" baseline="0" dirty="0">
+              <a:ln>
+                <a:noFill/>
+              </a:ln>
+              <a:solidFill>
+                <a:schemeClr val="tx1"/>
+              </a:solidFill>
+              <a:effectLst/>
+              <a:latin typeface="Arial" panose="020B0604020202020204" pitchFamily="34" charset="0"/>
+            </a:endParaRPr>
+          </a:p>
+          <a:p>
+            <a:pPr marL="0" marR="0" lvl="0" indent="0" algn="ctr" defTabSz="914400" rtl="0" eaLnBrk="0" fontAlgn="base" latinLnBrk="0" hangingPunct="0">
+              <a:lnSpc>
+                <a:spcPct val="100000"/>
+              </a:lnSpc>
+              <a:spcBef>
+                <a:spcPct val="0"/>
+              </a:spcBef>
+              <a:spcAft>
+                <a:spcPct val="0"/>
+              </a:spcAft>
+              <a:buClrTx/>
+              <a:buSzTx/>
+              <a:buFontTx/>
+              <a:buNone/>
+              <a:tabLst/>
+            </a:pPr>
+            <a:endParaRPr kumimoji="0" lang="en-US" altLang="en-US" sz="1800" b="0" i="0" u="none" strike="noStrike" cap="none" normalizeH="0" baseline="0" dirty="0">
+              <a:ln>
+                <a:noFill/>
+              </a:ln>
+              <a:solidFill>
+                <a:schemeClr val="tx1"/>
+              </a:solidFill>
+              <a:effectLst/>
+              <a:latin typeface="Arial" panose="020B0604020202020204" pitchFamily="34" charset="0"/>
+            </a:endParaRPr>
           </a:p>
         </p:txBody>
       </p:sp>
@@ -5519,7 +7747,7 @@
                   <a:srgbClr val="FF6600"/>
                 </a:solidFill>
               </a:rPr>
-              <a:t>Approach</a:t>
+              <a:t>Background/Information</a:t>
             </a:r>
           </a:p>
         </p:txBody>
@@ -5539,7 +7767,7 @@
         <p:spPr>
           <a:xfrm>
             <a:off x="475129" y="2366682"/>
-            <a:ext cx="11286565" cy="3139321"/>
+            <a:ext cx="11286565" cy="2585323"/>
           </a:xfrm>
           <a:prstGeom prst="rect">
             <a:avLst/>
@@ -5554,7 +7782,7 @@
           <a:p>
             <a:r>
               <a:rPr lang="en-US" dirty="0"/>
-              <a:t>Given: 1 dataset with information about each patient and whether they had persistency with a drug. </a:t>
+              <a:t>In medical terms, the persistency of a drug refers to the extent while the patient acts accordingly to the effects of a drug. Patients lose persistency when the drug no longer has an affect on them.</a:t>
             </a:r>
           </a:p>
           <a:p>
@@ -5563,64 +7791,25 @@
           <a:p>
             <a:r>
               <a:rPr lang="en-US" dirty="0"/>
-              <a:t>Method of Approach:</a:t>
-            </a:r>
-          </a:p>
-          <a:p>
-            <a:pPr marL="342900" indent="-342900">
-              <a:buAutoNum type="arabicPeriod"/>
-            </a:pPr>
-            <a:r>
+              <a:t>ABC Pharma is a pharmaceutical company who aims to automate identification of the persistency of a drug.</a:t>
+            </a:r>
+          </a:p>
+          <a:p>
+            <a:br>
               <a:rPr lang="en-US" dirty="0"/>
-              <a:t>Look for null or missing values. </a:t>
-            </a:r>
-          </a:p>
-          <a:p>
-            <a:pPr marL="342900" indent="-342900">
-              <a:buAutoNum type="arabicPeriod"/>
-            </a:pPr>
+            </a:br>
             <a:r>
               <a:rPr lang="en-US" dirty="0"/>
-              <a:t>Identify values that are improbable. </a:t>
-            </a:r>
-          </a:p>
-          <a:p>
-            <a:pPr marL="342900" indent="-342900">
-              <a:buAutoNum type="arabicPeriod"/>
-            </a:pPr>
+              <a:t>In this data analysis, the various factors of a patient are evaluated to determine if they have an affect on the persistency. </a:t>
+            </a:r>
+          </a:p>
+          <a:p>
+            <a:endParaRPr lang="en-US" dirty="0"/>
+          </a:p>
+          <a:p>
             <a:r>
               <a:rPr lang="en-US" dirty="0"/>
-              <a:t>Create visualizations of the data.</a:t>
-            </a:r>
-          </a:p>
-          <a:p>
-            <a:pPr marL="342900" indent="-342900">
-              <a:buAutoNum type="arabicPeriod"/>
-            </a:pPr>
-            <a:endParaRPr lang="en-US" dirty="0"/>
-          </a:p>
-          <a:p>
-            <a:r>
-              <a:rPr lang="en-US" dirty="0"/>
-              <a:t>Assumptions:</a:t>
-            </a:r>
-          </a:p>
-          <a:p>
-            <a:pPr marL="342900" indent="-342900">
-              <a:buAutoNum type="arabicPeriod"/>
-            </a:pPr>
-            <a:r>
-              <a:rPr lang="en-US" dirty="0"/>
-              <a:t>Each patient adheres to a specific ID and do not have multiple. </a:t>
-            </a:r>
-          </a:p>
-          <a:p>
-            <a:pPr marL="342900" indent="-342900">
-              <a:buAutoNum type="arabicPeriod"/>
-            </a:pPr>
-            <a:r>
-              <a:rPr lang="en-US" dirty="0"/>
-              <a:t>Data was selected at random from a population and not targeted specifically based on a patient’s previous persistency. </a:t>
+              <a:t>At the end of this project, we will suggest a model to follow for deployment. </a:t>
             </a:r>
           </a:p>
         </p:txBody>
@@ -5628,7 +7817,7 @@
     </p:spTree>
     <p:extLst>
       <p:ext uri="{BB962C8B-B14F-4D97-AF65-F5344CB8AC3E}">
-        <p14:creationId xmlns:p14="http://schemas.microsoft.com/office/powerpoint/2010/main" val="1561903461"/>
+        <p14:creationId xmlns:p14="http://schemas.microsoft.com/office/powerpoint/2010/main" val="3279538522"/>
       </p:ext>
     </p:extLst>
   </p:cSld>
@@ -5672,9 +7861,9 @@
           </p:nvPr>
         </p:nvSpPr>
         <p:spPr>
-          <a:xfrm rot="5400000">
-            <a:off x="-562431" y="562430"/>
-            <a:ext cx="6858002" cy="5733142"/>
+          <a:xfrm rot="10800000">
+            <a:off x="1" y="0"/>
+            <a:ext cx="12191999" cy="2010441"/>
           </a:xfrm>
           <a:solidFill>
             <a:srgbClr val="3B3B3B"/>
@@ -5733,54 +7922,148 @@
       </p:pic>
       <p:sp>
         <p:nvSpPr>
-          <p:cNvPr id="6" name="Subtitle 5">
+          <p:cNvPr id="5" name="TextBox 4">
             <a:extLst>
               <a:ext uri="{FF2B5EF4-FFF2-40B4-BE49-F238E27FC236}">
-                <a16:creationId xmlns:a16="http://schemas.microsoft.com/office/drawing/2014/main" id="{2D4BA697-580E-5544-8F2F-194AD99B859F}"/>
+                <a16:creationId xmlns:a16="http://schemas.microsoft.com/office/drawing/2014/main" id="{FCE4806D-1A6D-0446-CBE8-F13373750803}"/>
               </a:ext>
             </a:extLst>
           </p:cNvPr>
-          <p:cNvSpPr>
-            <a:spLocks noGrp="1"/>
-          </p:cNvSpPr>
-          <p:nvPr>
-            <p:ph type="subTitle" idx="1"/>
-          </p:nvPr>
+          <p:cNvSpPr txBox="1"/>
+          <p:nvPr/>
         </p:nvSpPr>
         <p:spPr>
           <a:xfrm>
-            <a:off x="5152570" y="2481943"/>
-            <a:ext cx="5558973" cy="1655762"/>
-          </a:xfrm>
-        </p:spPr>
-        <p:txBody>
-          <a:bodyPr>
-            <a:normAutofit/>
+            <a:off x="1093694" y="591671"/>
+            <a:ext cx="8668871" cy="1015663"/>
+          </a:xfrm>
+          <a:prstGeom prst="rect">
+            <a:avLst/>
+          </a:prstGeom>
+          <a:noFill/>
+        </p:spPr>
+        <p:txBody>
+          <a:bodyPr wrap="square" rtlCol="0">
+            <a:spAutoFit/>
           </a:bodyPr>
           <a:lstStyle/>
           <a:p>
             <a:r>
-              <a:rPr lang="en-US" sz="6600" dirty="0">
+              <a:rPr lang="en-US" sz="6000" dirty="0">
                 <a:solidFill>
                   <a:srgbClr val="FF6600"/>
                 </a:solidFill>
               </a:rPr>
-              <a:t>EDA</a:t>
-            </a:r>
-          </a:p>
-          <a:p>
-            <a:endParaRPr lang="en-US" sz="6600" dirty="0">
-              <a:solidFill>
-                <a:srgbClr val="FF6600"/>
-              </a:solidFill>
-            </a:endParaRPr>
+              <a:t>Approach</a:t>
+            </a:r>
+          </a:p>
+        </p:txBody>
+      </p:sp>
+      <p:sp>
+        <p:nvSpPr>
+          <p:cNvPr id="7" name="TextBox 6">
+            <a:extLst>
+              <a:ext uri="{FF2B5EF4-FFF2-40B4-BE49-F238E27FC236}">
+                <a16:creationId xmlns:a16="http://schemas.microsoft.com/office/drawing/2014/main" id="{837BBD17-5173-0E64-BB1C-37505FA31704}"/>
+              </a:ext>
+            </a:extLst>
+          </p:cNvPr>
+          <p:cNvSpPr txBox="1"/>
+          <p:nvPr/>
+        </p:nvSpPr>
+        <p:spPr>
+          <a:xfrm>
+            <a:off x="475129" y="2366682"/>
+            <a:ext cx="11286565" cy="3139321"/>
+          </a:xfrm>
+          <a:prstGeom prst="rect">
+            <a:avLst/>
+          </a:prstGeom>
+          <a:noFill/>
+        </p:spPr>
+        <p:txBody>
+          <a:bodyPr wrap="square" rtlCol="0">
+            <a:spAutoFit/>
+          </a:bodyPr>
+          <a:lstStyle/>
+          <a:p>
+            <a:r>
+              <a:rPr lang="en-US" dirty="0"/>
+              <a:t>Given: 1 dataset with information about each patient and whether they had persistency with a drug. </a:t>
+            </a:r>
+          </a:p>
+          <a:p>
+            <a:endParaRPr lang="en-US" dirty="0"/>
+          </a:p>
+          <a:p>
+            <a:r>
+              <a:rPr lang="en-US" dirty="0"/>
+              <a:t>Method of Approach:</a:t>
+            </a:r>
+          </a:p>
+          <a:p>
+            <a:pPr marL="342900" indent="-342900">
+              <a:buAutoNum type="arabicPeriod"/>
+            </a:pPr>
+            <a:r>
+              <a:rPr lang="en-US" dirty="0"/>
+              <a:t>Look for null or missing values. </a:t>
+            </a:r>
+          </a:p>
+          <a:p>
+            <a:pPr marL="342900" indent="-342900">
+              <a:buAutoNum type="arabicPeriod"/>
+            </a:pPr>
+            <a:r>
+              <a:rPr lang="en-US" dirty="0"/>
+              <a:t>Identify values that are improbable. </a:t>
+            </a:r>
+          </a:p>
+          <a:p>
+            <a:pPr marL="342900" indent="-342900">
+              <a:buAutoNum type="arabicPeriod"/>
+            </a:pPr>
+            <a:r>
+              <a:rPr lang="en-US" dirty="0"/>
+              <a:t>Create visualizations of the data.</a:t>
+            </a:r>
+          </a:p>
+          <a:p>
+            <a:pPr marL="342900" indent="-342900">
+              <a:buAutoNum type="arabicPeriod"/>
+            </a:pPr>
+            <a:endParaRPr lang="en-US" dirty="0"/>
+          </a:p>
+          <a:p>
+            <a:r>
+              <a:rPr lang="en-US" dirty="0"/>
+              <a:t>Assumptions:</a:t>
+            </a:r>
+          </a:p>
+          <a:p>
+            <a:pPr marL="342900" indent="-342900">
+              <a:buAutoNum type="arabicPeriod"/>
+            </a:pPr>
+            <a:r>
+              <a:rPr lang="en-US" dirty="0"/>
+              <a:t>Each patient adheres to a specific ID and do not have multiple. </a:t>
+            </a:r>
+          </a:p>
+          <a:p>
+            <a:pPr marL="342900" indent="-342900">
+              <a:buAutoNum type="arabicPeriod"/>
+            </a:pPr>
+            <a:r>
+              <a:rPr lang="en-US" dirty="0"/>
+              <a:t>Data was selected at random from a population and not targeted specifically based on a patient’s previous persistency. </a:t>
+            </a:r>
           </a:p>
         </p:txBody>
       </p:sp>
     </p:spTree>
     <p:extLst>
       <p:ext uri="{BB962C8B-B14F-4D97-AF65-F5344CB8AC3E}">
-        <p14:creationId xmlns:p14="http://schemas.microsoft.com/office/powerpoint/2010/main" val="116821060"/>
+        <p14:creationId xmlns:p14="http://schemas.microsoft.com/office/powerpoint/2010/main" val="1561903461"/>
       </p:ext>
     </p:extLst>
   </p:cSld>
@@ -5824,9 +8107,9 @@
           </p:nvPr>
         </p:nvSpPr>
         <p:spPr>
-          <a:xfrm rot="10800000">
-            <a:off x="1" y="0"/>
-            <a:ext cx="12191999" cy="2010441"/>
+          <a:xfrm rot="5400000">
+            <a:off x="-562431" y="562430"/>
+            <a:ext cx="6858002" cy="5733142"/>
           </a:xfrm>
           <a:solidFill>
             <a:srgbClr val="3B3B3B"/>
@@ -5885,129 +8168,54 @@
       </p:pic>
       <p:sp>
         <p:nvSpPr>
-          <p:cNvPr id="5" name="TextBox 4">
+          <p:cNvPr id="6" name="Subtitle 5">
             <a:extLst>
               <a:ext uri="{FF2B5EF4-FFF2-40B4-BE49-F238E27FC236}">
-                <a16:creationId xmlns:a16="http://schemas.microsoft.com/office/drawing/2014/main" id="{FCE4806D-1A6D-0446-CBE8-F13373750803}"/>
+                <a16:creationId xmlns:a16="http://schemas.microsoft.com/office/drawing/2014/main" id="{2D4BA697-580E-5544-8F2F-194AD99B859F}"/>
               </a:ext>
             </a:extLst>
           </p:cNvPr>
-          <p:cNvSpPr txBox="1"/>
-          <p:nvPr/>
+          <p:cNvSpPr>
+            <a:spLocks noGrp="1"/>
+          </p:cNvSpPr>
+          <p:nvPr>
+            <p:ph type="subTitle" idx="1"/>
+          </p:nvPr>
         </p:nvSpPr>
         <p:spPr>
           <a:xfrm>
-            <a:off x="1093694" y="591671"/>
-            <a:ext cx="8668871" cy="1015663"/>
-          </a:xfrm>
-          <a:prstGeom prst="rect">
-            <a:avLst/>
-          </a:prstGeom>
-          <a:noFill/>
-        </p:spPr>
-        <p:txBody>
-          <a:bodyPr wrap="square" rtlCol="0">
-            <a:spAutoFit/>
+            <a:off x="5152570" y="2481943"/>
+            <a:ext cx="5558973" cy="1655762"/>
+          </a:xfrm>
+        </p:spPr>
+        <p:txBody>
+          <a:bodyPr>
+            <a:normAutofit/>
           </a:bodyPr>
           <a:lstStyle/>
           <a:p>
             <a:r>
-              <a:rPr lang="en-US" sz="6000" dirty="0">
+              <a:rPr lang="en-US" sz="6600" dirty="0">
                 <a:solidFill>
                   <a:srgbClr val="FF6600"/>
                 </a:solidFill>
               </a:rPr>
-              <a:t>Risks vs. Persistency Flag</a:t>
-            </a:r>
-          </a:p>
-        </p:txBody>
-      </p:sp>
-      <p:sp>
-        <p:nvSpPr>
-          <p:cNvPr id="7" name="TextBox 6">
-            <a:extLst>
-              <a:ext uri="{FF2B5EF4-FFF2-40B4-BE49-F238E27FC236}">
-                <a16:creationId xmlns:a16="http://schemas.microsoft.com/office/drawing/2014/main" id="{837BBD17-5173-0E64-BB1C-37505FA31704}"/>
-              </a:ext>
-            </a:extLst>
-          </p:cNvPr>
-          <p:cNvSpPr txBox="1"/>
-          <p:nvPr/>
-        </p:nvSpPr>
-        <p:spPr>
-          <a:xfrm>
-            <a:off x="349623" y="5460663"/>
-            <a:ext cx="11286565" cy="646331"/>
-          </a:xfrm>
-          <a:prstGeom prst="rect">
-            <a:avLst/>
-          </a:prstGeom>
-          <a:noFill/>
-        </p:spPr>
-        <p:txBody>
-          <a:bodyPr wrap="square" rtlCol="0">
-            <a:spAutoFit/>
-          </a:bodyPr>
-          <a:lstStyle/>
-          <a:p>
-            <a:r>
-              <a:rPr lang="en-US" dirty="0"/>
-              <a:t>Using this graph, it is clear to see that more people were persistent when they had 0-1 risks. The greatest amount of non-persistent patients were at 1 risk, and as the risks increased, the gap between the two groups decreased. </a:t>
-            </a:r>
-          </a:p>
-        </p:txBody>
-      </p:sp>
-      <p:pic>
-        <p:nvPicPr>
-          <p:cNvPr id="1028" name="Picture 4">
-            <a:extLst>
-              <a:ext uri="{FF2B5EF4-FFF2-40B4-BE49-F238E27FC236}">
-                <a16:creationId xmlns:a16="http://schemas.microsoft.com/office/drawing/2014/main" id="{11C91EDE-3018-61DB-5144-E24D29D86D01}"/>
-              </a:ext>
-            </a:extLst>
-          </p:cNvPr>
-          <p:cNvPicPr>
-            <a:picLocks noChangeAspect="1" noChangeArrowheads="1"/>
-          </p:cNvPicPr>
-          <p:nvPr/>
-        </p:nvPicPr>
-        <p:blipFill>
-          <a:blip r:embed="rId3">
-            <a:extLst>
-              <a:ext uri="{28A0092B-C50C-407E-A947-70E740481C1C}">
-                <a14:useLocalDpi xmlns:a14="http://schemas.microsoft.com/office/drawing/2010/main" val="0"/>
-              </a:ext>
-            </a:extLst>
-          </a:blip>
-          <a:srcRect/>
-          <a:stretch>
-            <a:fillRect/>
-          </a:stretch>
-        </p:blipFill>
-        <p:spPr bwMode="auto">
-          <a:xfrm>
-            <a:off x="0" y="1771650"/>
-            <a:ext cx="12192000" cy="3313113"/>
-          </a:xfrm>
-          <a:prstGeom prst="rect">
-            <a:avLst/>
-          </a:prstGeom>
-          <a:noFill/>
-          <a:extLst>
-            <a:ext uri="{909E8E84-426E-40DD-AFC4-6F175D3DCCD1}">
-              <a14:hiddenFill xmlns:a14="http://schemas.microsoft.com/office/drawing/2010/main">
-                <a:solidFill>
-                  <a:srgbClr val="FFFFFF"/>
-                </a:solidFill>
-              </a14:hiddenFill>
-            </a:ext>
-          </a:extLst>
-        </p:spPr>
-      </p:pic>
+              <a:t>EDA</a:t>
+            </a:r>
+          </a:p>
+          <a:p>
+            <a:endParaRPr lang="en-US" sz="6600" dirty="0">
+              <a:solidFill>
+                <a:srgbClr val="FF6600"/>
+              </a:solidFill>
+            </a:endParaRPr>
+          </a:p>
+        </p:txBody>
+      </p:sp>
     </p:spTree>
     <p:extLst>
       <p:ext uri="{BB962C8B-B14F-4D97-AF65-F5344CB8AC3E}">
-        <p14:creationId xmlns:p14="http://schemas.microsoft.com/office/powerpoint/2010/main" val="3738027679"/>
+        <p14:creationId xmlns:p14="http://schemas.microsoft.com/office/powerpoint/2010/main" val="116821060"/>
       </p:ext>
     </p:extLst>
   </p:cSld>
@@ -6163,8 +8371,8 @@
         </p:nvSpPr>
         <p:spPr>
           <a:xfrm>
-            <a:off x="349623" y="5213844"/>
-            <a:ext cx="11286565" cy="923330"/>
+            <a:off x="349623" y="5460663"/>
+            <a:ext cx="11286565" cy="646331"/>
           </a:xfrm>
           <a:prstGeom prst="rect">
             <a:avLst/>
@@ -6179,17 +8387,17 @@
           <a:p>
             <a:r>
               <a:rPr lang="en-US" dirty="0"/>
-              <a:t>With this data table, it is clear that the data collected has more information about the people that were persistent than the people that were not. Therefore, the data itself may seem to favor the persistent group of people but in reality that is due to the collection of data. </a:t>
+              <a:t>Using this graph, it is clear to see that more people were persistent when they had 0-1 risks. The greatest amount of non-persistent patients were at 1 risk, and as the risks increased, the gap between the two groups decreased. </a:t>
             </a:r>
           </a:p>
         </p:txBody>
       </p:sp>
       <p:pic>
         <p:nvPicPr>
-          <p:cNvPr id="2052" name="Picture 4">
+          <p:cNvPr id="1028" name="Picture 4">
             <a:extLst>
               <a:ext uri="{FF2B5EF4-FFF2-40B4-BE49-F238E27FC236}">
-                <a16:creationId xmlns:a16="http://schemas.microsoft.com/office/drawing/2014/main" id="{462894A3-D55E-0C90-33C8-8BF7D1F7E09F}"/>
+                <a16:creationId xmlns:a16="http://schemas.microsoft.com/office/drawing/2014/main" id="{11C91EDE-3018-61DB-5144-E24D29D86D01}"/>
               </a:ext>
             </a:extLst>
           </p:cNvPr>
@@ -6213,8 +8421,8 @@
         </p:blipFill>
         <p:spPr bwMode="auto">
           <a:xfrm>
-            <a:off x="0" y="1778000"/>
-            <a:ext cx="12192000" cy="3300413"/>
+            <a:off x="0" y="1771650"/>
+            <a:ext cx="12192000" cy="3313113"/>
           </a:xfrm>
           <a:prstGeom prst="rect">
             <a:avLst/>
@@ -6234,7 +8442,7 @@
     </p:spTree>
     <p:extLst>
       <p:ext uri="{BB962C8B-B14F-4D97-AF65-F5344CB8AC3E}">
-        <p14:creationId xmlns:p14="http://schemas.microsoft.com/office/powerpoint/2010/main" val="3768238175"/>
+        <p14:creationId xmlns:p14="http://schemas.microsoft.com/office/powerpoint/2010/main" val="3738027679"/>
       </p:ext>
     </p:extLst>
   </p:cSld>
@@ -6390,8 +8598,8 @@
         </p:nvSpPr>
         <p:spPr>
           <a:xfrm>
-            <a:off x="349623" y="5096674"/>
-            <a:ext cx="11286565" cy="1200329"/>
+            <a:off x="349623" y="5213844"/>
+            <a:ext cx="11286565" cy="923330"/>
           </a:xfrm>
           <a:prstGeom prst="rect">
             <a:avLst/>
@@ -6406,17 +8614,17 @@
           <a:p>
             <a:r>
               <a:rPr lang="en-US" dirty="0"/>
-              <a:t>Overall, both the non-persistent and the persistent group of people follow a relatively similar distribution. Overall, in the non-persistent group side, more people have 2 risks than no risks, which indicates that risks of diseases may negatively impact the persistency of a drug. For the persistent group, both 0 and 1 risks dominate over the other counts of risks. </a:t>
+              <a:t>With this data table, it is clear that the data collected has more information about the people that were persistent than the people that were not. Therefore, the data itself may seem to favor the persistent group of people but in reality that is due to the collection of data. </a:t>
             </a:r>
           </a:p>
         </p:txBody>
       </p:sp>
       <p:pic>
         <p:nvPicPr>
-          <p:cNvPr id="3074" name="Picture 2">
+          <p:cNvPr id="2052" name="Picture 4">
             <a:extLst>
               <a:ext uri="{FF2B5EF4-FFF2-40B4-BE49-F238E27FC236}">
-                <a16:creationId xmlns:a16="http://schemas.microsoft.com/office/drawing/2014/main" id="{2A9D0FE9-4162-0C47-E1B4-1D7CE8C2ACDB}"/>
+                <a16:creationId xmlns:a16="http://schemas.microsoft.com/office/drawing/2014/main" id="{462894A3-D55E-0C90-33C8-8BF7D1F7E09F}"/>
               </a:ext>
             </a:extLst>
           </p:cNvPr>
@@ -6440,8 +8648,8 @@
         </p:blipFill>
         <p:spPr bwMode="auto">
           <a:xfrm>
-            <a:off x="0" y="1771650"/>
-            <a:ext cx="12192000" cy="3313113"/>
+            <a:off x="0" y="1778000"/>
+            <a:ext cx="12192000" cy="3300413"/>
           </a:xfrm>
           <a:prstGeom prst="rect">
             <a:avLst/>
@@ -6461,7 +8669,7 @@
     </p:spTree>
     <p:extLst>
       <p:ext uri="{BB962C8B-B14F-4D97-AF65-F5344CB8AC3E}">
-        <p14:creationId xmlns:p14="http://schemas.microsoft.com/office/powerpoint/2010/main" val="1270359719"/>
+        <p14:creationId xmlns:p14="http://schemas.microsoft.com/office/powerpoint/2010/main" val="3768238175"/>
       </p:ext>
     </p:extLst>
   </p:cSld>
@@ -6603,12 +8811,47 @@
           </a:p>
         </p:txBody>
       </p:sp>
+      <p:sp>
+        <p:nvSpPr>
+          <p:cNvPr id="7" name="TextBox 6">
+            <a:extLst>
+              <a:ext uri="{FF2B5EF4-FFF2-40B4-BE49-F238E27FC236}">
+                <a16:creationId xmlns:a16="http://schemas.microsoft.com/office/drawing/2014/main" id="{837BBD17-5173-0E64-BB1C-37505FA31704}"/>
+              </a:ext>
+            </a:extLst>
+          </p:cNvPr>
+          <p:cNvSpPr txBox="1"/>
+          <p:nvPr/>
+        </p:nvSpPr>
+        <p:spPr>
+          <a:xfrm>
+            <a:off x="349623" y="5096674"/>
+            <a:ext cx="11286565" cy="1200329"/>
+          </a:xfrm>
+          <a:prstGeom prst="rect">
+            <a:avLst/>
+          </a:prstGeom>
+          <a:noFill/>
+        </p:spPr>
+        <p:txBody>
+          <a:bodyPr wrap="square" rtlCol="0">
+            <a:spAutoFit/>
+          </a:bodyPr>
+          <a:lstStyle/>
+          <a:p>
+            <a:r>
+              <a:rPr lang="en-US" dirty="0"/>
+              <a:t>Overall, both the non-persistent and the persistent group of people follow a relatively similar distribution. Overall, in the non-persistent group side, more people have 2 risks than no risks, which indicates that risks of diseases may negatively impact the persistency of a drug. For the persistent group, both 0 and 1 risks dominate over the other counts of risks. </a:t>
+            </a:r>
+          </a:p>
+        </p:txBody>
+      </p:sp>
       <p:pic>
         <p:nvPicPr>
-          <p:cNvPr id="4100" name="Picture 4">
+          <p:cNvPr id="3074" name="Picture 2">
             <a:extLst>
               <a:ext uri="{FF2B5EF4-FFF2-40B4-BE49-F238E27FC236}">
-                <a16:creationId xmlns:a16="http://schemas.microsoft.com/office/drawing/2014/main" id="{6D5A7F69-BAC4-122E-4D98-7B2ECC41FA88}"/>
+                <a16:creationId xmlns:a16="http://schemas.microsoft.com/office/drawing/2014/main" id="{2A9D0FE9-4162-0C47-E1B4-1D7CE8C2ACDB}"/>
               </a:ext>
             </a:extLst>
           </p:cNvPr>
@@ -6632,8 +8875,8 @@
         </p:blipFill>
         <p:spPr bwMode="auto">
           <a:xfrm>
-            <a:off x="125505" y="2011717"/>
-            <a:ext cx="5867400" cy="4667250"/>
+            <a:off x="0" y="1771650"/>
+            <a:ext cx="12192000" cy="3313113"/>
           </a:xfrm>
           <a:prstGeom prst="rect">
             <a:avLst/>
@@ -6650,63 +8893,10 @@
           </a:extLst>
         </p:spPr>
       </p:pic>
-      <p:sp>
-        <p:nvSpPr>
-          <p:cNvPr id="3" name="TextBox 2">
-            <a:extLst>
-              <a:ext uri="{FF2B5EF4-FFF2-40B4-BE49-F238E27FC236}">
-                <a16:creationId xmlns:a16="http://schemas.microsoft.com/office/drawing/2014/main" id="{C6402ED7-8C7C-97EC-8C11-45505A5812E1}"/>
-              </a:ext>
-            </a:extLst>
-          </p:cNvPr>
-          <p:cNvSpPr txBox="1"/>
-          <p:nvPr/>
-        </p:nvSpPr>
-        <p:spPr>
-          <a:xfrm>
-            <a:off x="6364941" y="2348753"/>
-            <a:ext cx="5334000" cy="2585323"/>
-          </a:xfrm>
-          <a:prstGeom prst="rect">
-            <a:avLst/>
-          </a:prstGeom>
-          <a:noFill/>
-        </p:spPr>
-        <p:txBody>
-          <a:bodyPr wrap="square" rtlCol="0">
-            <a:spAutoFit/>
-          </a:bodyPr>
-          <a:lstStyle/>
-          <a:p>
-            <a:r>
-              <a:rPr lang="en-US" dirty="0"/>
-              <a:t>Using this data, it is clear to see that there is a greater amount of people with no risks who have experienced persistency compared to the amount who have not.</a:t>
-            </a:r>
-          </a:p>
-          <a:p>
-            <a:endParaRPr lang="en-US" dirty="0"/>
-          </a:p>
-          <a:p>
-            <a:r>
-              <a:rPr lang="en-US" dirty="0"/>
-              <a:t>This suggests that in order for a drug to be persistent on a patient, the patient must have little to no risks. </a:t>
-            </a:r>
-          </a:p>
-          <a:p>
-            <a:endParaRPr lang="en-US" dirty="0"/>
-          </a:p>
-          <a:p>
-            <a:r>
-              <a:rPr lang="en-US" dirty="0"/>
-              <a:t>Overall, risks pose a significant impact on the persistency of a drug on a patient.  </a:t>
-            </a:r>
-          </a:p>
-        </p:txBody>
-      </p:sp>
     </p:spTree>
     <p:extLst>
       <p:ext uri="{BB962C8B-B14F-4D97-AF65-F5344CB8AC3E}">
-        <p14:creationId xmlns:p14="http://schemas.microsoft.com/office/powerpoint/2010/main" val="3275410347"/>
+        <p14:creationId xmlns:p14="http://schemas.microsoft.com/office/powerpoint/2010/main" val="1270359719"/>
       </p:ext>
     </p:extLst>
   </p:cSld>
